--- a/Prezentace/RSP.pptx
+++ b/Prezentace/RSP.pptx
@@ -881,7 +881,7 @@
           <a:p>
             <a:fld id="{3BF70C85-A5B8-40CB-8115-F62D284FF759}" type="datetimeFigureOut">
               <a:rPr lang="cs-CZ" smtClean="0"/>
-              <a:t>16.11.2017</a:t>
+              <a:t>18.11.2017</a:t>
             </a:fld>
             <a:endParaRPr lang="cs-CZ"/>
           </a:p>
@@ -1132,7 +1132,7 @@
           <a:p>
             <a:fld id="{3BF70C85-A5B8-40CB-8115-F62D284FF759}" type="datetimeFigureOut">
               <a:rPr lang="cs-CZ" smtClean="0"/>
-              <a:t>16.11.2017</a:t>
+              <a:t>18.11.2017</a:t>
             </a:fld>
             <a:endParaRPr lang="cs-CZ"/>
           </a:p>
@@ -1446,7 +1446,7 @@
           <a:p>
             <a:fld id="{3BF70C85-A5B8-40CB-8115-F62D284FF759}" type="datetimeFigureOut">
               <a:rPr lang="cs-CZ" smtClean="0"/>
-              <a:t>16.11.2017</a:t>
+              <a:t>18.11.2017</a:t>
             </a:fld>
             <a:endParaRPr lang="cs-CZ"/>
           </a:p>
@@ -1779,7 +1779,7 @@
           <a:p>
             <a:fld id="{3BF70C85-A5B8-40CB-8115-F62D284FF759}" type="datetimeFigureOut">
               <a:rPr lang="cs-CZ" smtClean="0"/>
-              <a:t>16.11.2017</a:t>
+              <a:t>18.11.2017</a:t>
             </a:fld>
             <a:endParaRPr lang="cs-CZ"/>
           </a:p>
@@ -2093,7 +2093,7 @@
           <a:p>
             <a:fld id="{3BF70C85-A5B8-40CB-8115-F62D284FF759}" type="datetimeFigureOut">
               <a:rPr lang="cs-CZ" smtClean="0"/>
-              <a:t>16.11.2017</a:t>
+              <a:t>18.11.2017</a:t>
             </a:fld>
             <a:endParaRPr lang="cs-CZ"/>
           </a:p>
@@ -2486,7 +2486,7 @@
           <a:p>
             <a:fld id="{3BF70C85-A5B8-40CB-8115-F62D284FF759}" type="datetimeFigureOut">
               <a:rPr lang="cs-CZ" smtClean="0"/>
-              <a:t>16.11.2017</a:t>
+              <a:t>18.11.2017</a:t>
             </a:fld>
             <a:endParaRPr lang="cs-CZ"/>
           </a:p>
@@ -2656,7 +2656,7 @@
           <a:p>
             <a:fld id="{3BF70C85-A5B8-40CB-8115-F62D284FF759}" type="datetimeFigureOut">
               <a:rPr lang="cs-CZ" smtClean="0"/>
-              <a:t>16.11.2017</a:t>
+              <a:t>18.11.2017</a:t>
             </a:fld>
             <a:endParaRPr lang="cs-CZ"/>
           </a:p>
@@ -2836,7 +2836,7 @@
           <a:p>
             <a:fld id="{3BF70C85-A5B8-40CB-8115-F62D284FF759}" type="datetimeFigureOut">
               <a:rPr lang="cs-CZ" smtClean="0"/>
-              <a:t>16.11.2017</a:t>
+              <a:t>18.11.2017</a:t>
             </a:fld>
             <a:endParaRPr lang="cs-CZ"/>
           </a:p>
@@ -3006,7 +3006,7 @@
           <a:p>
             <a:fld id="{3BF70C85-A5B8-40CB-8115-F62D284FF759}" type="datetimeFigureOut">
               <a:rPr lang="cs-CZ" smtClean="0"/>
-              <a:t>16.11.2017</a:t>
+              <a:t>18.11.2017</a:t>
             </a:fld>
             <a:endParaRPr lang="cs-CZ"/>
           </a:p>
@@ -3253,7 +3253,7 @@
           <a:p>
             <a:fld id="{3BF70C85-A5B8-40CB-8115-F62D284FF759}" type="datetimeFigureOut">
               <a:rPr lang="cs-CZ" smtClean="0"/>
-              <a:t>16.11.2017</a:t>
+              <a:t>18.11.2017</a:t>
             </a:fld>
             <a:endParaRPr lang="cs-CZ"/>
           </a:p>
@@ -3485,7 +3485,7 @@
           <a:p>
             <a:fld id="{3BF70C85-A5B8-40CB-8115-F62D284FF759}" type="datetimeFigureOut">
               <a:rPr lang="cs-CZ" smtClean="0"/>
-              <a:t>16.11.2017</a:t>
+              <a:t>18.11.2017</a:t>
             </a:fld>
             <a:endParaRPr lang="cs-CZ"/>
           </a:p>
@@ -3859,7 +3859,7 @@
           <a:p>
             <a:fld id="{3BF70C85-A5B8-40CB-8115-F62D284FF759}" type="datetimeFigureOut">
               <a:rPr lang="cs-CZ" smtClean="0"/>
-              <a:t>16.11.2017</a:t>
+              <a:t>18.11.2017</a:t>
             </a:fld>
             <a:endParaRPr lang="cs-CZ"/>
           </a:p>
@@ -3982,7 +3982,7 @@
           <a:p>
             <a:fld id="{3BF70C85-A5B8-40CB-8115-F62D284FF759}" type="datetimeFigureOut">
               <a:rPr lang="cs-CZ" smtClean="0"/>
-              <a:t>16.11.2017</a:t>
+              <a:t>18.11.2017</a:t>
             </a:fld>
             <a:endParaRPr lang="cs-CZ"/>
           </a:p>
@@ -4077,7 +4077,7 @@
           <a:p>
             <a:fld id="{3BF70C85-A5B8-40CB-8115-F62D284FF759}" type="datetimeFigureOut">
               <a:rPr lang="cs-CZ" smtClean="0"/>
-              <a:t>16.11.2017</a:t>
+              <a:t>18.11.2017</a:t>
             </a:fld>
             <a:endParaRPr lang="cs-CZ"/>
           </a:p>
@@ -4332,7 +4332,7 @@
           <a:p>
             <a:fld id="{3BF70C85-A5B8-40CB-8115-F62D284FF759}" type="datetimeFigureOut">
               <a:rPr lang="cs-CZ" smtClean="0"/>
-              <a:t>16.11.2017</a:t>
+              <a:t>18.11.2017</a:t>
             </a:fld>
             <a:endParaRPr lang="cs-CZ"/>
           </a:p>
@@ -4637,7 +4637,7 @@
           <a:p>
             <a:fld id="{3BF70C85-A5B8-40CB-8115-F62D284FF759}" type="datetimeFigureOut">
               <a:rPr lang="cs-CZ" smtClean="0"/>
-              <a:t>16.11.2017</a:t>
+              <a:t>18.11.2017</a:t>
             </a:fld>
             <a:endParaRPr lang="cs-CZ"/>
           </a:p>
@@ -5339,7 +5339,7 @@
           <a:p>
             <a:fld id="{3BF70C85-A5B8-40CB-8115-F62D284FF759}" type="datetimeFigureOut">
               <a:rPr lang="cs-CZ" smtClean="0"/>
-              <a:t>16.11.2017</a:t>
+              <a:t>18.11.2017</a:t>
             </a:fld>
             <a:endParaRPr lang="cs-CZ"/>
           </a:p>
@@ -6493,12 +6493,6 @@
             </a:r>
           </a:p>
           <a:p>
-            <a:r>
-              <a:rPr lang="cs-CZ" dirty="0"/>
-              <a:t>Historie článku</a:t>
-            </a:r>
-          </a:p>
-          <a:p>
             <a:endParaRPr lang="cs-CZ" dirty="0"/>
           </a:p>
         </p:txBody>

--- a/Prezentace/RSP.pptx
+++ b/Prezentace/RSP.pptx
@@ -881,7 +881,7 @@
           <a:p>
             <a:fld id="{3BF70C85-A5B8-40CB-8115-F62D284FF759}" type="datetimeFigureOut">
               <a:rPr lang="cs-CZ" smtClean="0"/>
-              <a:t>18.11.2017</a:t>
+              <a:t>20.11.2017</a:t>
             </a:fld>
             <a:endParaRPr lang="cs-CZ"/>
           </a:p>
@@ -1132,7 +1132,7 @@
           <a:p>
             <a:fld id="{3BF70C85-A5B8-40CB-8115-F62D284FF759}" type="datetimeFigureOut">
               <a:rPr lang="cs-CZ" smtClean="0"/>
-              <a:t>18.11.2017</a:t>
+              <a:t>20.11.2017</a:t>
             </a:fld>
             <a:endParaRPr lang="cs-CZ"/>
           </a:p>
@@ -1446,7 +1446,7 @@
           <a:p>
             <a:fld id="{3BF70C85-A5B8-40CB-8115-F62D284FF759}" type="datetimeFigureOut">
               <a:rPr lang="cs-CZ" smtClean="0"/>
-              <a:t>18.11.2017</a:t>
+              <a:t>20.11.2017</a:t>
             </a:fld>
             <a:endParaRPr lang="cs-CZ"/>
           </a:p>
@@ -1779,7 +1779,7 @@
           <a:p>
             <a:fld id="{3BF70C85-A5B8-40CB-8115-F62D284FF759}" type="datetimeFigureOut">
               <a:rPr lang="cs-CZ" smtClean="0"/>
-              <a:t>18.11.2017</a:t>
+              <a:t>20.11.2017</a:t>
             </a:fld>
             <a:endParaRPr lang="cs-CZ"/>
           </a:p>
@@ -2093,7 +2093,7 @@
           <a:p>
             <a:fld id="{3BF70C85-A5B8-40CB-8115-F62D284FF759}" type="datetimeFigureOut">
               <a:rPr lang="cs-CZ" smtClean="0"/>
-              <a:t>18.11.2017</a:t>
+              <a:t>20.11.2017</a:t>
             </a:fld>
             <a:endParaRPr lang="cs-CZ"/>
           </a:p>
@@ -2486,7 +2486,7 @@
           <a:p>
             <a:fld id="{3BF70C85-A5B8-40CB-8115-F62D284FF759}" type="datetimeFigureOut">
               <a:rPr lang="cs-CZ" smtClean="0"/>
-              <a:t>18.11.2017</a:t>
+              <a:t>20.11.2017</a:t>
             </a:fld>
             <a:endParaRPr lang="cs-CZ"/>
           </a:p>
@@ -2656,7 +2656,7 @@
           <a:p>
             <a:fld id="{3BF70C85-A5B8-40CB-8115-F62D284FF759}" type="datetimeFigureOut">
               <a:rPr lang="cs-CZ" smtClean="0"/>
-              <a:t>18.11.2017</a:t>
+              <a:t>20.11.2017</a:t>
             </a:fld>
             <a:endParaRPr lang="cs-CZ"/>
           </a:p>
@@ -2836,7 +2836,7 @@
           <a:p>
             <a:fld id="{3BF70C85-A5B8-40CB-8115-F62D284FF759}" type="datetimeFigureOut">
               <a:rPr lang="cs-CZ" smtClean="0"/>
-              <a:t>18.11.2017</a:t>
+              <a:t>20.11.2017</a:t>
             </a:fld>
             <a:endParaRPr lang="cs-CZ"/>
           </a:p>
@@ -3006,7 +3006,7 @@
           <a:p>
             <a:fld id="{3BF70C85-A5B8-40CB-8115-F62D284FF759}" type="datetimeFigureOut">
               <a:rPr lang="cs-CZ" smtClean="0"/>
-              <a:t>18.11.2017</a:t>
+              <a:t>20.11.2017</a:t>
             </a:fld>
             <a:endParaRPr lang="cs-CZ"/>
           </a:p>
@@ -3253,7 +3253,7 @@
           <a:p>
             <a:fld id="{3BF70C85-A5B8-40CB-8115-F62D284FF759}" type="datetimeFigureOut">
               <a:rPr lang="cs-CZ" smtClean="0"/>
-              <a:t>18.11.2017</a:t>
+              <a:t>20.11.2017</a:t>
             </a:fld>
             <a:endParaRPr lang="cs-CZ"/>
           </a:p>
@@ -3485,7 +3485,7 @@
           <a:p>
             <a:fld id="{3BF70C85-A5B8-40CB-8115-F62D284FF759}" type="datetimeFigureOut">
               <a:rPr lang="cs-CZ" smtClean="0"/>
-              <a:t>18.11.2017</a:t>
+              <a:t>20.11.2017</a:t>
             </a:fld>
             <a:endParaRPr lang="cs-CZ"/>
           </a:p>
@@ -3859,7 +3859,7 @@
           <a:p>
             <a:fld id="{3BF70C85-A5B8-40CB-8115-F62D284FF759}" type="datetimeFigureOut">
               <a:rPr lang="cs-CZ" smtClean="0"/>
-              <a:t>18.11.2017</a:t>
+              <a:t>20.11.2017</a:t>
             </a:fld>
             <a:endParaRPr lang="cs-CZ"/>
           </a:p>
@@ -3982,7 +3982,7 @@
           <a:p>
             <a:fld id="{3BF70C85-A5B8-40CB-8115-F62D284FF759}" type="datetimeFigureOut">
               <a:rPr lang="cs-CZ" smtClean="0"/>
-              <a:t>18.11.2017</a:t>
+              <a:t>20.11.2017</a:t>
             </a:fld>
             <a:endParaRPr lang="cs-CZ"/>
           </a:p>
@@ -4077,7 +4077,7 @@
           <a:p>
             <a:fld id="{3BF70C85-A5B8-40CB-8115-F62D284FF759}" type="datetimeFigureOut">
               <a:rPr lang="cs-CZ" smtClean="0"/>
-              <a:t>18.11.2017</a:t>
+              <a:t>20.11.2017</a:t>
             </a:fld>
             <a:endParaRPr lang="cs-CZ"/>
           </a:p>
@@ -4332,7 +4332,7 @@
           <a:p>
             <a:fld id="{3BF70C85-A5B8-40CB-8115-F62D284FF759}" type="datetimeFigureOut">
               <a:rPr lang="cs-CZ" smtClean="0"/>
-              <a:t>18.11.2017</a:t>
+              <a:t>20.11.2017</a:t>
             </a:fld>
             <a:endParaRPr lang="cs-CZ"/>
           </a:p>
@@ -4637,7 +4637,7 @@
           <a:p>
             <a:fld id="{3BF70C85-A5B8-40CB-8115-F62D284FF759}" type="datetimeFigureOut">
               <a:rPr lang="cs-CZ" smtClean="0"/>
-              <a:t>18.11.2017</a:t>
+              <a:t>20.11.2017</a:t>
             </a:fld>
             <a:endParaRPr lang="cs-CZ"/>
           </a:p>
@@ -5339,7 +5339,7 @@
           <a:p>
             <a:fld id="{3BF70C85-A5B8-40CB-8115-F62D284FF759}" type="datetimeFigureOut">
               <a:rPr lang="cs-CZ" smtClean="0"/>
-              <a:t>18.11.2017</a:t>
+              <a:t>20.11.2017</a:t>
             </a:fld>
             <a:endParaRPr lang="cs-CZ"/>
           </a:p>
@@ -8775,8 +8775,19 @@
           <a:p>
             <a:r>
               <a:rPr lang="cs-CZ" dirty="0"/>
-              <a:t>Podporovaný formát</a:t>
-            </a:r>
+              <a:t>Podporovaný </a:t>
+            </a:r>
+            <a:r>
+              <a:rPr lang="cs-CZ" dirty="0" smtClean="0"/>
+              <a:t>formát</a:t>
+            </a:r>
+          </a:p>
+          <a:p>
+            <a:r>
+              <a:rPr lang="cs-CZ" dirty="0" smtClean="0"/>
+              <a:t>Možnost zadání spoluautorů</a:t>
+            </a:r>
+            <a:endParaRPr lang="cs-CZ" dirty="0"/>
           </a:p>
           <a:p>
             <a:endParaRPr lang="cs-CZ" dirty="0"/>

--- a/Prezentace/RSP.pptx
+++ b/Prezentace/RSP.pptx
@@ -6,26 +6,29 @@
   </p:sldMasterIdLst>
   <p:sldIdLst>
     <p:sldId id="256" r:id="rId2"/>
-    <p:sldId id="257" r:id="rId3"/>
-    <p:sldId id="258" r:id="rId4"/>
-    <p:sldId id="259" r:id="rId5"/>
-    <p:sldId id="260" r:id="rId6"/>
-    <p:sldId id="261" r:id="rId7"/>
-    <p:sldId id="266" r:id="rId8"/>
-    <p:sldId id="262" r:id="rId9"/>
-    <p:sldId id="268" r:id="rId10"/>
-    <p:sldId id="269" r:id="rId11"/>
-    <p:sldId id="270" r:id="rId12"/>
-    <p:sldId id="271" r:id="rId13"/>
-    <p:sldId id="272" r:id="rId14"/>
-    <p:sldId id="275" r:id="rId15"/>
-    <p:sldId id="276" r:id="rId16"/>
-    <p:sldId id="263" r:id="rId17"/>
-    <p:sldId id="264" r:id="rId18"/>
-    <p:sldId id="265" r:id="rId19"/>
-    <p:sldId id="273" r:id="rId20"/>
-    <p:sldId id="274" r:id="rId21"/>
-    <p:sldId id="267" r:id="rId22"/>
+    <p:sldId id="277" r:id="rId3"/>
+    <p:sldId id="279" r:id="rId4"/>
+    <p:sldId id="257" r:id="rId5"/>
+    <p:sldId id="258" r:id="rId6"/>
+    <p:sldId id="259" r:id="rId7"/>
+    <p:sldId id="260" r:id="rId8"/>
+    <p:sldId id="261" r:id="rId9"/>
+    <p:sldId id="266" r:id="rId10"/>
+    <p:sldId id="262" r:id="rId11"/>
+    <p:sldId id="268" r:id="rId12"/>
+    <p:sldId id="269" r:id="rId13"/>
+    <p:sldId id="270" r:id="rId14"/>
+    <p:sldId id="271" r:id="rId15"/>
+    <p:sldId id="272" r:id="rId16"/>
+    <p:sldId id="275" r:id="rId17"/>
+    <p:sldId id="276" r:id="rId18"/>
+    <p:sldId id="263" r:id="rId19"/>
+    <p:sldId id="264" r:id="rId20"/>
+    <p:sldId id="265" r:id="rId21"/>
+    <p:sldId id="273" r:id="rId22"/>
+    <p:sldId id="274" r:id="rId23"/>
+    <p:sldId id="278" r:id="rId24"/>
+    <p:sldId id="267" r:id="rId25"/>
   </p:sldIdLst>
   <p:sldSz cx="12192000" cy="6858000"/>
   <p:notesSz cx="6858000" cy="9144000"/>
@@ -881,7 +884,7 @@
           <a:p>
             <a:fld id="{3BF70C85-A5B8-40CB-8115-F62D284FF759}" type="datetimeFigureOut">
               <a:rPr lang="cs-CZ" smtClean="0"/>
-              <a:t>20.11.2017</a:t>
+              <a:t>20. 11. 2017</a:t>
             </a:fld>
             <a:endParaRPr lang="cs-CZ"/>
           </a:p>
@@ -1132,7 +1135,7 @@
           <a:p>
             <a:fld id="{3BF70C85-A5B8-40CB-8115-F62D284FF759}" type="datetimeFigureOut">
               <a:rPr lang="cs-CZ" smtClean="0"/>
-              <a:t>20.11.2017</a:t>
+              <a:t>20. 11. 2017</a:t>
             </a:fld>
             <a:endParaRPr lang="cs-CZ"/>
           </a:p>
@@ -1446,7 +1449,7 @@
           <a:p>
             <a:fld id="{3BF70C85-A5B8-40CB-8115-F62D284FF759}" type="datetimeFigureOut">
               <a:rPr lang="cs-CZ" smtClean="0"/>
-              <a:t>20.11.2017</a:t>
+              <a:t>20. 11. 2017</a:t>
             </a:fld>
             <a:endParaRPr lang="cs-CZ"/>
           </a:p>
@@ -1779,7 +1782,7 @@
           <a:p>
             <a:fld id="{3BF70C85-A5B8-40CB-8115-F62D284FF759}" type="datetimeFigureOut">
               <a:rPr lang="cs-CZ" smtClean="0"/>
-              <a:t>20.11.2017</a:t>
+              <a:t>20. 11. 2017</a:t>
             </a:fld>
             <a:endParaRPr lang="cs-CZ"/>
           </a:p>
@@ -2093,7 +2096,7 @@
           <a:p>
             <a:fld id="{3BF70C85-A5B8-40CB-8115-F62D284FF759}" type="datetimeFigureOut">
               <a:rPr lang="cs-CZ" smtClean="0"/>
-              <a:t>20.11.2017</a:t>
+              <a:t>20. 11. 2017</a:t>
             </a:fld>
             <a:endParaRPr lang="cs-CZ"/>
           </a:p>
@@ -2486,7 +2489,7 @@
           <a:p>
             <a:fld id="{3BF70C85-A5B8-40CB-8115-F62D284FF759}" type="datetimeFigureOut">
               <a:rPr lang="cs-CZ" smtClean="0"/>
-              <a:t>20.11.2017</a:t>
+              <a:t>20. 11. 2017</a:t>
             </a:fld>
             <a:endParaRPr lang="cs-CZ"/>
           </a:p>
@@ -2656,7 +2659,7 @@
           <a:p>
             <a:fld id="{3BF70C85-A5B8-40CB-8115-F62D284FF759}" type="datetimeFigureOut">
               <a:rPr lang="cs-CZ" smtClean="0"/>
-              <a:t>20.11.2017</a:t>
+              <a:t>20. 11. 2017</a:t>
             </a:fld>
             <a:endParaRPr lang="cs-CZ"/>
           </a:p>
@@ -2836,7 +2839,7 @@
           <a:p>
             <a:fld id="{3BF70C85-A5B8-40CB-8115-F62D284FF759}" type="datetimeFigureOut">
               <a:rPr lang="cs-CZ" smtClean="0"/>
-              <a:t>20.11.2017</a:t>
+              <a:t>20. 11. 2017</a:t>
             </a:fld>
             <a:endParaRPr lang="cs-CZ"/>
           </a:p>
@@ -3006,7 +3009,7 @@
           <a:p>
             <a:fld id="{3BF70C85-A5B8-40CB-8115-F62D284FF759}" type="datetimeFigureOut">
               <a:rPr lang="cs-CZ" smtClean="0"/>
-              <a:t>20.11.2017</a:t>
+              <a:t>20. 11. 2017</a:t>
             </a:fld>
             <a:endParaRPr lang="cs-CZ"/>
           </a:p>
@@ -3253,7 +3256,7 @@
           <a:p>
             <a:fld id="{3BF70C85-A5B8-40CB-8115-F62D284FF759}" type="datetimeFigureOut">
               <a:rPr lang="cs-CZ" smtClean="0"/>
-              <a:t>20.11.2017</a:t>
+              <a:t>20. 11. 2017</a:t>
             </a:fld>
             <a:endParaRPr lang="cs-CZ"/>
           </a:p>
@@ -3485,7 +3488,7 @@
           <a:p>
             <a:fld id="{3BF70C85-A5B8-40CB-8115-F62D284FF759}" type="datetimeFigureOut">
               <a:rPr lang="cs-CZ" smtClean="0"/>
-              <a:t>20.11.2017</a:t>
+              <a:t>20. 11. 2017</a:t>
             </a:fld>
             <a:endParaRPr lang="cs-CZ"/>
           </a:p>
@@ -3859,7 +3862,7 @@
           <a:p>
             <a:fld id="{3BF70C85-A5B8-40CB-8115-F62D284FF759}" type="datetimeFigureOut">
               <a:rPr lang="cs-CZ" smtClean="0"/>
-              <a:t>20.11.2017</a:t>
+              <a:t>20. 11. 2017</a:t>
             </a:fld>
             <a:endParaRPr lang="cs-CZ"/>
           </a:p>
@@ -3982,7 +3985,7 @@
           <a:p>
             <a:fld id="{3BF70C85-A5B8-40CB-8115-F62D284FF759}" type="datetimeFigureOut">
               <a:rPr lang="cs-CZ" smtClean="0"/>
-              <a:t>20.11.2017</a:t>
+              <a:t>20. 11. 2017</a:t>
             </a:fld>
             <a:endParaRPr lang="cs-CZ"/>
           </a:p>
@@ -4077,7 +4080,7 @@
           <a:p>
             <a:fld id="{3BF70C85-A5B8-40CB-8115-F62D284FF759}" type="datetimeFigureOut">
               <a:rPr lang="cs-CZ" smtClean="0"/>
-              <a:t>20.11.2017</a:t>
+              <a:t>20. 11. 2017</a:t>
             </a:fld>
             <a:endParaRPr lang="cs-CZ"/>
           </a:p>
@@ -4332,7 +4335,7 @@
           <a:p>
             <a:fld id="{3BF70C85-A5B8-40CB-8115-F62D284FF759}" type="datetimeFigureOut">
               <a:rPr lang="cs-CZ" smtClean="0"/>
-              <a:t>20.11.2017</a:t>
+              <a:t>20. 11. 2017</a:t>
             </a:fld>
             <a:endParaRPr lang="cs-CZ"/>
           </a:p>
@@ -4637,7 +4640,7 @@
           <a:p>
             <a:fld id="{3BF70C85-A5B8-40CB-8115-F62D284FF759}" type="datetimeFigureOut">
               <a:rPr lang="cs-CZ" smtClean="0"/>
-              <a:t>20.11.2017</a:t>
+              <a:t>20. 11. 2017</a:t>
             </a:fld>
             <a:endParaRPr lang="cs-CZ"/>
           </a:p>
@@ -5339,7 +5342,7 @@
           <a:p>
             <a:fld id="{3BF70C85-A5B8-40CB-8115-F62D284FF759}" type="datetimeFigureOut">
               <a:rPr lang="cs-CZ" smtClean="0"/>
-              <a:t>20.11.2017</a:t>
+              <a:t>20. 11. 2017</a:t>
             </a:fld>
             <a:endParaRPr lang="cs-CZ"/>
           </a:p>
@@ -5959,6 +5962,314 @@
           <p:cNvPr id="2" name="Nadpis 1">
             <a:extLst>
               <a:ext uri="{FF2B5EF4-FFF2-40B4-BE49-F238E27FC236}">
+                <a16:creationId xmlns:a16="http://schemas.microsoft.com/office/drawing/2014/main" id="{6B6500FE-7DDD-4253-AAFF-605685FB80C8}"/>
+              </a:ext>
+            </a:extLst>
+          </p:cNvPr>
+          <p:cNvSpPr>
+            <a:spLocks noGrp="1"/>
+          </p:cNvSpPr>
+          <p:nvPr>
+            <p:ph type="title"/>
+          </p:nvPr>
+        </p:nvSpPr>
+        <p:spPr>
+          <a:xfrm>
+            <a:off x="677334" y="609600"/>
+            <a:ext cx="8596668" cy="670560"/>
+          </a:xfrm>
+        </p:spPr>
+        <p:txBody>
+          <a:bodyPr/>
+          <a:lstStyle/>
+          <a:p>
+            <a:r>
+              <a:rPr lang="cs-CZ" dirty="0"/>
+              <a:t>Podrobnosti článek</a:t>
+            </a:r>
+          </a:p>
+        </p:txBody>
+      </p:sp>
+      <p:sp>
+        <p:nvSpPr>
+          <p:cNvPr id="3" name="Zástupný symbol pro obsah 2">
+            <a:extLst>
+              <a:ext uri="{FF2B5EF4-FFF2-40B4-BE49-F238E27FC236}">
+                <a16:creationId xmlns:a16="http://schemas.microsoft.com/office/drawing/2014/main" id="{D1FC1170-FD1B-4C92-A03E-3A58E3E03DA9}"/>
+              </a:ext>
+            </a:extLst>
+          </p:cNvPr>
+          <p:cNvSpPr>
+            <a:spLocks noGrp="1"/>
+          </p:cNvSpPr>
+          <p:nvPr>
+            <p:ph idx="1"/>
+          </p:nvPr>
+        </p:nvSpPr>
+        <p:spPr>
+          <a:xfrm>
+            <a:off x="677334" y="1488613"/>
+            <a:ext cx="8596668" cy="3880773"/>
+          </a:xfrm>
+        </p:spPr>
+        <p:txBody>
+          <a:bodyPr/>
+          <a:lstStyle/>
+          <a:p>
+            <a:r>
+              <a:rPr lang="cs-CZ" dirty="0"/>
+              <a:t>Možnost stáhnout nebo zobrazit</a:t>
+            </a:r>
+          </a:p>
+          <a:p>
+            <a:r>
+              <a:rPr lang="cs-CZ" dirty="0"/>
+              <a:t>Totéž i s recenzemi</a:t>
+            </a:r>
+          </a:p>
+          <a:p>
+            <a:r>
+              <a:rPr lang="cs-CZ" dirty="0"/>
+              <a:t>Ostatní informace o článku</a:t>
+            </a:r>
+          </a:p>
+          <a:p>
+            <a:endParaRPr lang="cs-CZ" dirty="0"/>
+          </a:p>
+        </p:txBody>
+      </p:sp>
+      <p:pic>
+        <p:nvPicPr>
+          <p:cNvPr id="5" name="Obrázek 4">
+            <a:extLst>
+              <a:ext uri="{FF2B5EF4-FFF2-40B4-BE49-F238E27FC236}">
+                <a16:creationId xmlns:a16="http://schemas.microsoft.com/office/drawing/2014/main" id="{92885CC8-F53B-4FFA-9EBA-51084A1B6B15}"/>
+              </a:ext>
+            </a:extLst>
+          </p:cNvPr>
+          <p:cNvPicPr>
+            <a:picLocks noChangeAspect="1"/>
+          </p:cNvPicPr>
+          <p:nvPr/>
+        </p:nvPicPr>
+        <p:blipFill>
+          <a:blip r:embed="rId2">
+            <a:extLst>
+              <a:ext uri="{28A0092B-C50C-407E-A947-70E740481C1C}">
+                <a14:useLocalDpi xmlns:a14="http://schemas.microsoft.com/office/drawing/2010/main" val="0"/>
+              </a:ext>
+            </a:extLst>
+          </a:blip>
+          <a:stretch>
+            <a:fillRect/>
+          </a:stretch>
+        </p:blipFill>
+        <p:spPr>
+          <a:xfrm>
+            <a:off x="3933575" y="2116183"/>
+            <a:ext cx="8102955" cy="4346523"/>
+          </a:xfrm>
+          <a:prstGeom prst="rect">
+            <a:avLst/>
+          </a:prstGeom>
+          <a:ln>
+            <a:noFill/>
+          </a:ln>
+          <a:effectLst>
+            <a:outerShdw blurRad="190500" algn="tl" rotWithShape="0">
+              <a:srgbClr val="000000">
+                <a:alpha val="70000"/>
+              </a:srgbClr>
+            </a:outerShdw>
+          </a:effectLst>
+        </p:spPr>
+      </p:pic>
+    </p:spTree>
+    <p:extLst>
+      <p:ext uri="{BB962C8B-B14F-4D97-AF65-F5344CB8AC3E}">
+        <p14:creationId xmlns:p14="http://schemas.microsoft.com/office/powerpoint/2010/main" val="4190216705"/>
+      </p:ext>
+    </p:extLst>
+  </p:cSld>
+  <p:clrMapOvr>
+    <a:masterClrMapping/>
+  </p:clrMapOvr>
+</p:sld>
+</file>
+
+<file path=ppt/slides/slide11.xml><?xml version="1.0" encoding="utf-8"?>
+<p:sld xmlns:a="http://schemas.openxmlformats.org/drawingml/2006/main" xmlns:r="http://schemas.openxmlformats.org/officeDocument/2006/relationships" xmlns:p="http://schemas.openxmlformats.org/presentationml/2006/main">
+  <p:cSld>
+    <p:spTree>
+      <p:nvGrpSpPr>
+        <p:cNvPr id="1" name=""/>
+        <p:cNvGrpSpPr/>
+        <p:nvPr/>
+      </p:nvGrpSpPr>
+      <p:grpSpPr>
+        <a:xfrm>
+          <a:off x="0" y="0"/>
+          <a:ext cx="0" cy="0"/>
+          <a:chOff x="0" y="0"/>
+          <a:chExt cx="0" cy="0"/>
+        </a:xfrm>
+      </p:grpSpPr>
+      <p:sp>
+        <p:nvSpPr>
+          <p:cNvPr id="2" name="Nadpis 1">
+            <a:extLst>
+              <a:ext uri="{FF2B5EF4-FFF2-40B4-BE49-F238E27FC236}">
+                <a16:creationId xmlns:a16="http://schemas.microsoft.com/office/drawing/2014/main" id="{DBB18F70-EA59-42C3-994F-A251BC4CC0A0}"/>
+              </a:ext>
+            </a:extLst>
+          </p:cNvPr>
+          <p:cNvSpPr>
+            <a:spLocks noGrp="1"/>
+          </p:cNvSpPr>
+          <p:nvPr>
+            <p:ph type="title"/>
+          </p:nvPr>
+        </p:nvSpPr>
+        <p:spPr>
+          <a:xfrm>
+            <a:off x="677334" y="609600"/>
+            <a:ext cx="8596668" cy="735874"/>
+          </a:xfrm>
+        </p:spPr>
+        <p:txBody>
+          <a:bodyPr/>
+          <a:lstStyle/>
+          <a:p>
+            <a:r>
+              <a:rPr lang="cs-CZ" dirty="0"/>
+              <a:t>Po přihlášení - recenzent</a:t>
+            </a:r>
+          </a:p>
+        </p:txBody>
+      </p:sp>
+      <p:sp>
+        <p:nvSpPr>
+          <p:cNvPr id="3" name="Zástupný symbol pro obsah 2">
+            <a:extLst>
+              <a:ext uri="{FF2B5EF4-FFF2-40B4-BE49-F238E27FC236}">
+                <a16:creationId xmlns:a16="http://schemas.microsoft.com/office/drawing/2014/main" id="{70F392D2-641F-4DCD-BFE7-B55DAD716D0D}"/>
+              </a:ext>
+            </a:extLst>
+          </p:cNvPr>
+          <p:cNvSpPr>
+            <a:spLocks noGrp="1"/>
+          </p:cNvSpPr>
+          <p:nvPr>
+            <p:ph idx="1"/>
+          </p:nvPr>
+        </p:nvSpPr>
+        <p:spPr>
+          <a:xfrm>
+            <a:off x="677334" y="1611949"/>
+            <a:ext cx="8596668" cy="3880773"/>
+          </a:xfrm>
+        </p:spPr>
+        <p:txBody>
+          <a:bodyPr/>
+          <a:lstStyle/>
+          <a:p>
+            <a:r>
+              <a:rPr lang="cs-CZ" dirty="0"/>
+              <a:t>Příští čísla</a:t>
+            </a:r>
+          </a:p>
+          <a:p>
+            <a:r>
+              <a:rPr lang="cs-CZ" dirty="0"/>
+              <a:t>Nejnovější recenze</a:t>
+            </a:r>
+          </a:p>
+          <a:p>
+            <a:endParaRPr lang="cs-CZ" dirty="0"/>
+          </a:p>
+        </p:txBody>
+      </p:sp>
+      <p:pic>
+        <p:nvPicPr>
+          <p:cNvPr id="5" name="Obrázek 4">
+            <a:extLst>
+              <a:ext uri="{FF2B5EF4-FFF2-40B4-BE49-F238E27FC236}">
+                <a16:creationId xmlns:a16="http://schemas.microsoft.com/office/drawing/2014/main" id="{0509455D-6E8D-4856-8CDE-A081913931D1}"/>
+              </a:ext>
+            </a:extLst>
+          </p:cNvPr>
+          <p:cNvPicPr>
+            <a:picLocks noChangeAspect="1"/>
+          </p:cNvPicPr>
+          <p:nvPr/>
+        </p:nvPicPr>
+        <p:blipFill>
+          <a:blip r:embed="rId2">
+            <a:extLst>
+              <a:ext uri="{28A0092B-C50C-407E-A947-70E740481C1C}">
+                <a14:useLocalDpi xmlns:a14="http://schemas.microsoft.com/office/drawing/2010/main" val="0"/>
+              </a:ext>
+            </a:extLst>
+          </a:blip>
+          <a:stretch>
+            <a:fillRect/>
+          </a:stretch>
+        </p:blipFill>
+        <p:spPr>
+          <a:xfrm>
+            <a:off x="365547" y="2488728"/>
+            <a:ext cx="10860016" cy="4153480"/>
+          </a:xfrm>
+          <a:prstGeom prst="rect">
+            <a:avLst/>
+          </a:prstGeom>
+          <a:ln>
+            <a:noFill/>
+          </a:ln>
+          <a:effectLst>
+            <a:outerShdw blurRad="190500" algn="tl" rotWithShape="0">
+              <a:srgbClr val="000000">
+                <a:alpha val="70000"/>
+              </a:srgbClr>
+            </a:outerShdw>
+          </a:effectLst>
+        </p:spPr>
+      </p:pic>
+    </p:spTree>
+    <p:extLst>
+      <p:ext uri="{BB962C8B-B14F-4D97-AF65-F5344CB8AC3E}">
+        <p14:creationId xmlns:p14="http://schemas.microsoft.com/office/powerpoint/2010/main" val="3078842623"/>
+      </p:ext>
+    </p:extLst>
+  </p:cSld>
+  <p:clrMapOvr>
+    <a:masterClrMapping/>
+  </p:clrMapOvr>
+</p:sld>
+</file>
+
+<file path=ppt/slides/slide12.xml><?xml version="1.0" encoding="utf-8"?>
+<p:sld xmlns:a="http://schemas.openxmlformats.org/drawingml/2006/main" xmlns:r="http://schemas.openxmlformats.org/officeDocument/2006/relationships" xmlns:p="http://schemas.openxmlformats.org/presentationml/2006/main">
+  <p:cSld>
+    <p:spTree>
+      <p:nvGrpSpPr>
+        <p:cNvPr id="1" name=""/>
+        <p:cNvGrpSpPr/>
+        <p:nvPr/>
+      </p:nvGrpSpPr>
+      <p:grpSpPr>
+        <a:xfrm>
+          <a:off x="0" y="0"/>
+          <a:ext cx="0" cy="0"/>
+          <a:chOff x="0" y="0"/>
+          <a:chExt cx="0" cy="0"/>
+        </a:xfrm>
+      </p:grpSpPr>
+      <p:sp>
+        <p:nvSpPr>
+          <p:cNvPr id="2" name="Nadpis 1">
+            <a:extLst>
+              <a:ext uri="{FF2B5EF4-FFF2-40B4-BE49-F238E27FC236}">
                 <a16:creationId xmlns:a16="http://schemas.microsoft.com/office/drawing/2014/main" id="{0A4B1530-2BA1-4EF0-A25D-062B82CB5C9A}"/>
               </a:ext>
             </a:extLst>
@@ -6088,7 +6399,7 @@
 </p:sld>
 </file>
 
-<file path=ppt/slides/slide11.xml><?xml version="1.0" encoding="utf-8"?>
+<file path=ppt/slides/slide13.xml><?xml version="1.0" encoding="utf-8"?>
 <p:sld xmlns:a="http://schemas.openxmlformats.org/drawingml/2006/main" xmlns:r="http://schemas.openxmlformats.org/officeDocument/2006/relationships" xmlns:p="http://schemas.openxmlformats.org/presentationml/2006/main">
   <p:cSld>
     <p:spTree>
@@ -6248,7 +6559,7 @@
 </p:sld>
 </file>
 
-<file path=ppt/slides/slide12.xml><?xml version="1.0" encoding="utf-8"?>
+<file path=ppt/slides/slide14.xml><?xml version="1.0" encoding="utf-8"?>
 <p:sld xmlns:a="http://schemas.openxmlformats.org/drawingml/2006/main" xmlns:r="http://schemas.openxmlformats.org/officeDocument/2006/relationships" xmlns:p="http://schemas.openxmlformats.org/presentationml/2006/main">
   <p:cSld>
     <p:spTree>
@@ -6405,7 +6716,7 @@
 </p:sld>
 </file>
 
-<file path=ppt/slides/slide13.xml><?xml version="1.0" encoding="utf-8"?>
+<file path=ppt/slides/slide15.xml><?xml version="1.0" encoding="utf-8"?>
 <p:sld xmlns:a="http://schemas.openxmlformats.org/drawingml/2006/main" xmlns:r="http://schemas.openxmlformats.org/officeDocument/2006/relationships" xmlns:p="http://schemas.openxmlformats.org/presentationml/2006/main">
   <p:cSld>
     <p:spTree>
@@ -6556,7 +6867,7 @@
 </p:sld>
 </file>
 
-<file path=ppt/slides/slide14.xml><?xml version="1.0" encoding="utf-8"?>
+<file path=ppt/slides/slide16.xml><?xml version="1.0" encoding="utf-8"?>
 <p:sld xmlns:a="http://schemas.openxmlformats.org/drawingml/2006/main" xmlns:r="http://schemas.openxmlformats.org/officeDocument/2006/relationships" xmlns:p="http://schemas.openxmlformats.org/presentationml/2006/main">
   <p:cSld>
     <p:spTree>
@@ -6707,7 +7018,7 @@
 </p:sld>
 </file>
 
-<file path=ppt/slides/slide15.xml><?xml version="1.0" encoding="utf-8"?>
+<file path=ppt/slides/slide17.xml><?xml version="1.0" encoding="utf-8"?>
 <p:sld xmlns:a="http://schemas.openxmlformats.org/drawingml/2006/main" xmlns:r="http://schemas.openxmlformats.org/officeDocument/2006/relationships" xmlns:p="http://schemas.openxmlformats.org/presentationml/2006/main">
   <p:cSld>
     <p:spTree>
@@ -6864,7 +7175,7 @@
 </p:sld>
 </file>
 
-<file path=ppt/slides/slide16.xml><?xml version="1.0" encoding="utf-8"?>
+<file path=ppt/slides/slide18.xml><?xml version="1.0" encoding="utf-8"?>
 <p:sld xmlns:a="http://schemas.openxmlformats.org/drawingml/2006/main" xmlns:r="http://schemas.openxmlformats.org/officeDocument/2006/relationships" xmlns:p="http://schemas.openxmlformats.org/presentationml/2006/main">
   <p:cSld>
     <p:spTree>
@@ -7015,7 +7326,7 @@
 </p:sld>
 </file>
 
-<file path=ppt/slides/slide17.xml><?xml version="1.0" encoding="utf-8"?>
+<file path=ppt/slides/slide19.xml><?xml version="1.0" encoding="utf-8"?>
 <p:sld xmlns:a="http://schemas.openxmlformats.org/drawingml/2006/main" xmlns:r="http://schemas.openxmlformats.org/officeDocument/2006/relationships" xmlns:p="http://schemas.openxmlformats.org/presentationml/2006/main">
   <p:cSld>
     <p:spTree>
@@ -7166,7 +7477,496 @@
 </p:sld>
 </file>
 
-<file path=ppt/slides/slide18.xml><?xml version="1.0" encoding="utf-8"?>
+<file path=ppt/slides/slide2.xml><?xml version="1.0" encoding="utf-8"?>
+<p:sld xmlns:a="http://schemas.openxmlformats.org/drawingml/2006/main" xmlns:r="http://schemas.openxmlformats.org/officeDocument/2006/relationships" xmlns:p="http://schemas.openxmlformats.org/presentationml/2006/main">
+  <p:cSld>
+    <p:spTree>
+      <p:nvGrpSpPr>
+        <p:cNvPr id="1" name=""/>
+        <p:cNvGrpSpPr/>
+        <p:nvPr/>
+      </p:nvGrpSpPr>
+      <p:grpSpPr>
+        <a:xfrm>
+          <a:off x="0" y="0"/>
+          <a:ext cx="0" cy="0"/>
+          <a:chOff x="0" y="0"/>
+          <a:chExt cx="0" cy="0"/>
+        </a:xfrm>
+      </p:grpSpPr>
+      <p:sp>
+        <p:nvSpPr>
+          <p:cNvPr id="2" name="Nadpis 1">
+            <a:extLst>
+              <a:ext uri="{FF2B5EF4-FFF2-40B4-BE49-F238E27FC236}">
+                <a16:creationId xmlns:a16="http://schemas.microsoft.com/office/drawing/2014/main" id="{51D69330-2063-4F35-99E9-E7B918F662F8}"/>
+              </a:ext>
+            </a:extLst>
+          </p:cNvPr>
+          <p:cNvSpPr>
+            <a:spLocks noGrp="1"/>
+          </p:cNvSpPr>
+          <p:nvPr>
+            <p:ph type="title"/>
+          </p:nvPr>
+        </p:nvSpPr>
+        <p:spPr>
+          <a:xfrm>
+            <a:off x="677334" y="609600"/>
+            <a:ext cx="8596668" cy="755561"/>
+          </a:xfrm>
+        </p:spPr>
+        <p:txBody>
+          <a:bodyPr/>
+          <a:lstStyle/>
+          <a:p>
+            <a:r>
+              <a:rPr lang="cs-CZ" dirty="0"/>
+              <a:t>Plánované cíle</a:t>
+            </a:r>
+          </a:p>
+        </p:txBody>
+      </p:sp>
+      <p:sp>
+        <p:nvSpPr>
+          <p:cNvPr id="3" name="Zástupný symbol pro obsah 2">
+            <a:extLst>
+              <a:ext uri="{FF2B5EF4-FFF2-40B4-BE49-F238E27FC236}">
+                <a16:creationId xmlns:a16="http://schemas.microsoft.com/office/drawing/2014/main" id="{F54024E5-14FF-4549-8B4E-0FF5EFB08FA2}"/>
+              </a:ext>
+            </a:extLst>
+          </p:cNvPr>
+          <p:cNvSpPr>
+            <a:spLocks noGrp="1"/>
+          </p:cNvSpPr>
+          <p:nvPr>
+            <p:ph idx="1"/>
+          </p:nvPr>
+        </p:nvSpPr>
+        <p:spPr>
+          <a:xfrm>
+            <a:off x="677334" y="1365161"/>
+            <a:ext cx="8596668" cy="1519707"/>
+          </a:xfrm>
+        </p:spPr>
+        <p:txBody>
+          <a:bodyPr/>
+          <a:lstStyle/>
+          <a:p>
+            <a:r>
+              <a:rPr lang="cs-CZ" dirty="0"/>
+              <a:t>Dokončení všech potřebných funkcí pro činnost v časopise</a:t>
+            </a:r>
+          </a:p>
+          <a:p>
+            <a:r>
+              <a:rPr lang="cs-CZ" dirty="0"/>
+              <a:t>Vytvoření jednoduchého helpdesku a návodů na obsluhu informačního systému</a:t>
+            </a:r>
+          </a:p>
+          <a:p>
+            <a:r>
+              <a:rPr lang="cs-CZ" dirty="0"/>
+              <a:t>Oprava předchozích chyb</a:t>
+            </a:r>
+          </a:p>
+        </p:txBody>
+      </p:sp>
+      <p:sp>
+        <p:nvSpPr>
+          <p:cNvPr id="4" name="Nadpis 1">
+            <a:extLst>
+              <a:ext uri="{FF2B5EF4-FFF2-40B4-BE49-F238E27FC236}">
+                <a16:creationId xmlns:a16="http://schemas.microsoft.com/office/drawing/2014/main" id="{0F7181D0-D8D6-471D-9D41-CCA483701173}"/>
+              </a:ext>
+            </a:extLst>
+          </p:cNvPr>
+          <p:cNvSpPr txBox="1">
+            <a:spLocks/>
+          </p:cNvSpPr>
+          <p:nvPr/>
+        </p:nvSpPr>
+        <p:spPr>
+          <a:xfrm>
+            <a:off x="677334" y="3093076"/>
+            <a:ext cx="8596668" cy="755561"/>
+          </a:xfrm>
+          <a:prstGeom prst="rect">
+            <a:avLst/>
+          </a:prstGeom>
+        </p:spPr>
+        <p:txBody>
+          <a:bodyPr vert="horz" lIns="91440" tIns="45720" rIns="91440" bIns="45720" rtlCol="0" anchor="t">
+            <a:normAutofit/>
+          </a:bodyPr>
+          <a:lstStyle>
+            <a:lvl1pPr algn="l" defTabSz="457200" rtl="0" eaLnBrk="1" latinLnBrk="0" hangingPunct="1">
+              <a:spcBef>
+                <a:spcPct val="0"/>
+              </a:spcBef>
+              <a:buNone/>
+              <a:defRPr sz="3600" kern="1200">
+                <a:solidFill>
+                  <a:schemeClr val="accent1"/>
+                </a:solidFill>
+                <a:latin typeface="+mj-lt"/>
+                <a:ea typeface="+mj-ea"/>
+                <a:cs typeface="+mj-cs"/>
+              </a:defRPr>
+            </a:lvl1pPr>
+            <a:lvl2pPr eaLnBrk="1" hangingPunct="1">
+              <a:defRPr>
+                <a:solidFill>
+                  <a:schemeClr val="tx2"/>
+                </a:solidFill>
+              </a:defRPr>
+            </a:lvl2pPr>
+            <a:lvl3pPr eaLnBrk="1" hangingPunct="1">
+              <a:defRPr>
+                <a:solidFill>
+                  <a:schemeClr val="tx2"/>
+                </a:solidFill>
+              </a:defRPr>
+            </a:lvl3pPr>
+            <a:lvl4pPr eaLnBrk="1" hangingPunct="1">
+              <a:defRPr>
+                <a:solidFill>
+                  <a:schemeClr val="tx2"/>
+                </a:solidFill>
+              </a:defRPr>
+            </a:lvl4pPr>
+            <a:lvl5pPr eaLnBrk="1" hangingPunct="1">
+              <a:defRPr>
+                <a:solidFill>
+                  <a:schemeClr val="tx2"/>
+                </a:solidFill>
+              </a:defRPr>
+            </a:lvl5pPr>
+            <a:lvl6pPr eaLnBrk="1" hangingPunct="1">
+              <a:defRPr>
+                <a:solidFill>
+                  <a:schemeClr val="tx2"/>
+                </a:solidFill>
+              </a:defRPr>
+            </a:lvl6pPr>
+            <a:lvl7pPr eaLnBrk="1" hangingPunct="1">
+              <a:defRPr>
+                <a:solidFill>
+                  <a:schemeClr val="tx2"/>
+                </a:solidFill>
+              </a:defRPr>
+            </a:lvl7pPr>
+            <a:lvl8pPr eaLnBrk="1" hangingPunct="1">
+              <a:defRPr>
+                <a:solidFill>
+                  <a:schemeClr val="tx2"/>
+                </a:solidFill>
+              </a:defRPr>
+            </a:lvl8pPr>
+            <a:lvl9pPr eaLnBrk="1" hangingPunct="1">
+              <a:defRPr>
+                <a:solidFill>
+                  <a:schemeClr val="tx2"/>
+                </a:solidFill>
+              </a:defRPr>
+            </a:lvl9pPr>
+          </a:lstStyle>
+          <a:p>
+            <a:r>
+              <a:rPr lang="cs-CZ" dirty="0"/>
+              <a:t>Realizované výstupy</a:t>
+            </a:r>
+          </a:p>
+        </p:txBody>
+      </p:sp>
+      <p:sp>
+        <p:nvSpPr>
+          <p:cNvPr id="5" name="Zástupný symbol pro obsah 2">
+            <a:extLst>
+              <a:ext uri="{FF2B5EF4-FFF2-40B4-BE49-F238E27FC236}">
+                <a16:creationId xmlns:a16="http://schemas.microsoft.com/office/drawing/2014/main" id="{C94702C3-D79A-408E-9A16-830C6C13972D}"/>
+              </a:ext>
+            </a:extLst>
+          </p:cNvPr>
+          <p:cNvSpPr txBox="1">
+            <a:spLocks/>
+          </p:cNvSpPr>
+          <p:nvPr/>
+        </p:nvSpPr>
+        <p:spPr>
+          <a:xfrm>
+            <a:off x="778219" y="4123386"/>
+            <a:ext cx="8596668" cy="1519707"/>
+          </a:xfrm>
+          <a:prstGeom prst="rect">
+            <a:avLst/>
+          </a:prstGeom>
+        </p:spPr>
+        <p:txBody>
+          <a:bodyPr vert="horz" lIns="91440" tIns="45720" rIns="91440" bIns="45720" rtlCol="0">
+            <a:normAutofit/>
+          </a:bodyPr>
+          <a:lstStyle>
+            <a:lvl1pPr marL="342900" indent="-342900" algn="l" defTabSz="457200" rtl="0" eaLnBrk="1" latinLnBrk="0" hangingPunct="1">
+              <a:spcBef>
+                <a:spcPts val="1000"/>
+              </a:spcBef>
+              <a:spcAft>
+                <a:spcPts val="0"/>
+              </a:spcAft>
+              <a:buClr>
+                <a:schemeClr val="accent1"/>
+              </a:buClr>
+              <a:buSzPct val="80000"/>
+              <a:buFont typeface="Wingdings 3" charset="2"/>
+              <a:buChar char=""/>
+              <a:defRPr sz="1800" kern="1200">
+                <a:solidFill>
+                  <a:schemeClr val="tx1">
+                    <a:lumMod val="75000"/>
+                    <a:lumOff val="25000"/>
+                  </a:schemeClr>
+                </a:solidFill>
+                <a:latin typeface="+mn-lt"/>
+                <a:ea typeface="+mn-ea"/>
+                <a:cs typeface="+mn-cs"/>
+              </a:defRPr>
+            </a:lvl1pPr>
+            <a:lvl2pPr marL="742950" indent="-285750" algn="l" defTabSz="457200" rtl="0" eaLnBrk="1" latinLnBrk="0" hangingPunct="1">
+              <a:spcBef>
+                <a:spcPts val="1000"/>
+              </a:spcBef>
+              <a:spcAft>
+                <a:spcPts val="0"/>
+              </a:spcAft>
+              <a:buClr>
+                <a:schemeClr val="accent1"/>
+              </a:buClr>
+              <a:buSzPct val="80000"/>
+              <a:buFont typeface="Wingdings 3" charset="2"/>
+              <a:buChar char=""/>
+              <a:defRPr sz="1600" kern="1200">
+                <a:solidFill>
+                  <a:schemeClr val="tx1">
+                    <a:lumMod val="75000"/>
+                    <a:lumOff val="25000"/>
+                  </a:schemeClr>
+                </a:solidFill>
+                <a:latin typeface="+mn-lt"/>
+                <a:ea typeface="+mn-ea"/>
+                <a:cs typeface="+mn-cs"/>
+              </a:defRPr>
+            </a:lvl2pPr>
+            <a:lvl3pPr marL="1143000" indent="-228600" algn="l" defTabSz="457200" rtl="0" eaLnBrk="1" latinLnBrk="0" hangingPunct="1">
+              <a:spcBef>
+                <a:spcPts val="1000"/>
+              </a:spcBef>
+              <a:spcAft>
+                <a:spcPts val="0"/>
+              </a:spcAft>
+              <a:buClr>
+                <a:schemeClr val="accent1"/>
+              </a:buClr>
+              <a:buSzPct val="80000"/>
+              <a:buFont typeface="Wingdings 3" charset="2"/>
+              <a:buChar char=""/>
+              <a:defRPr sz="1400" kern="1200">
+                <a:solidFill>
+                  <a:schemeClr val="tx1">
+                    <a:lumMod val="75000"/>
+                    <a:lumOff val="25000"/>
+                  </a:schemeClr>
+                </a:solidFill>
+                <a:latin typeface="+mn-lt"/>
+                <a:ea typeface="+mn-ea"/>
+                <a:cs typeface="+mn-cs"/>
+              </a:defRPr>
+            </a:lvl3pPr>
+            <a:lvl4pPr marL="1600200" indent="-228600" algn="l" defTabSz="457200" rtl="0" eaLnBrk="1" latinLnBrk="0" hangingPunct="1">
+              <a:spcBef>
+                <a:spcPts val="1000"/>
+              </a:spcBef>
+              <a:spcAft>
+                <a:spcPts val="0"/>
+              </a:spcAft>
+              <a:buClr>
+                <a:schemeClr val="accent1"/>
+              </a:buClr>
+              <a:buSzPct val="80000"/>
+              <a:buFont typeface="Wingdings 3" charset="2"/>
+              <a:buChar char=""/>
+              <a:defRPr sz="1200" kern="1200">
+                <a:solidFill>
+                  <a:schemeClr val="tx1">
+                    <a:lumMod val="75000"/>
+                    <a:lumOff val="25000"/>
+                  </a:schemeClr>
+                </a:solidFill>
+                <a:latin typeface="+mn-lt"/>
+                <a:ea typeface="+mn-ea"/>
+                <a:cs typeface="+mn-cs"/>
+              </a:defRPr>
+            </a:lvl4pPr>
+            <a:lvl5pPr marL="2057400" indent="-228600" algn="l" defTabSz="457200" rtl="0" eaLnBrk="1" latinLnBrk="0" hangingPunct="1">
+              <a:spcBef>
+                <a:spcPts val="1000"/>
+              </a:spcBef>
+              <a:spcAft>
+                <a:spcPts val="0"/>
+              </a:spcAft>
+              <a:buClr>
+                <a:schemeClr val="accent1"/>
+              </a:buClr>
+              <a:buSzPct val="80000"/>
+              <a:buFont typeface="Wingdings 3" charset="2"/>
+              <a:buChar char=""/>
+              <a:defRPr sz="1200" kern="1200">
+                <a:solidFill>
+                  <a:schemeClr val="tx1">
+                    <a:lumMod val="75000"/>
+                    <a:lumOff val="25000"/>
+                  </a:schemeClr>
+                </a:solidFill>
+                <a:latin typeface="+mn-lt"/>
+                <a:ea typeface="+mn-ea"/>
+                <a:cs typeface="+mn-cs"/>
+              </a:defRPr>
+            </a:lvl5pPr>
+            <a:lvl6pPr marL="2514600" indent="-228600" algn="l" defTabSz="457200" rtl="0" eaLnBrk="1" latinLnBrk="0" hangingPunct="1">
+              <a:spcBef>
+                <a:spcPts val="1000"/>
+              </a:spcBef>
+              <a:spcAft>
+                <a:spcPts val="0"/>
+              </a:spcAft>
+              <a:buClr>
+                <a:schemeClr val="accent1"/>
+              </a:buClr>
+              <a:buSzPct val="80000"/>
+              <a:buFont typeface="Wingdings 3" charset="2"/>
+              <a:buChar char=""/>
+              <a:defRPr sz="1200" kern="1200">
+                <a:solidFill>
+                  <a:schemeClr val="tx1">
+                    <a:lumMod val="75000"/>
+                    <a:lumOff val="25000"/>
+                  </a:schemeClr>
+                </a:solidFill>
+                <a:latin typeface="+mn-lt"/>
+                <a:ea typeface="+mn-ea"/>
+                <a:cs typeface="+mn-cs"/>
+              </a:defRPr>
+            </a:lvl6pPr>
+            <a:lvl7pPr marL="2971800" indent="-228600" algn="l" defTabSz="457200" rtl="0" eaLnBrk="1" latinLnBrk="0" hangingPunct="1">
+              <a:spcBef>
+                <a:spcPts val="1000"/>
+              </a:spcBef>
+              <a:spcAft>
+                <a:spcPts val="0"/>
+              </a:spcAft>
+              <a:buClr>
+                <a:schemeClr val="accent1"/>
+              </a:buClr>
+              <a:buSzPct val="80000"/>
+              <a:buFont typeface="Wingdings 3" charset="2"/>
+              <a:buChar char=""/>
+              <a:defRPr sz="1200" kern="1200">
+                <a:solidFill>
+                  <a:schemeClr val="tx1">
+                    <a:lumMod val="75000"/>
+                    <a:lumOff val="25000"/>
+                  </a:schemeClr>
+                </a:solidFill>
+                <a:latin typeface="+mn-lt"/>
+                <a:ea typeface="+mn-ea"/>
+                <a:cs typeface="+mn-cs"/>
+              </a:defRPr>
+            </a:lvl7pPr>
+            <a:lvl8pPr marL="3429000" indent="-228600" algn="l" defTabSz="457200" rtl="0" eaLnBrk="1" latinLnBrk="0" hangingPunct="1">
+              <a:spcBef>
+                <a:spcPts val="1000"/>
+              </a:spcBef>
+              <a:spcAft>
+                <a:spcPts val="0"/>
+              </a:spcAft>
+              <a:buClr>
+                <a:schemeClr val="accent1"/>
+              </a:buClr>
+              <a:buSzPct val="80000"/>
+              <a:buFont typeface="Wingdings 3" charset="2"/>
+              <a:buChar char=""/>
+              <a:defRPr sz="1200" kern="1200">
+                <a:solidFill>
+                  <a:schemeClr val="tx1">
+                    <a:lumMod val="75000"/>
+                    <a:lumOff val="25000"/>
+                  </a:schemeClr>
+                </a:solidFill>
+                <a:latin typeface="+mn-lt"/>
+                <a:ea typeface="+mn-ea"/>
+                <a:cs typeface="+mn-cs"/>
+              </a:defRPr>
+            </a:lvl8pPr>
+            <a:lvl9pPr marL="3886200" indent="-228600" algn="l" defTabSz="457200" rtl="0" eaLnBrk="1" latinLnBrk="0" hangingPunct="1">
+              <a:spcBef>
+                <a:spcPts val="1000"/>
+              </a:spcBef>
+              <a:spcAft>
+                <a:spcPts val="0"/>
+              </a:spcAft>
+              <a:buClr>
+                <a:schemeClr val="accent1"/>
+              </a:buClr>
+              <a:buSzPct val="80000"/>
+              <a:buFont typeface="Wingdings 3" charset="2"/>
+              <a:buChar char=""/>
+              <a:defRPr sz="1200" kern="1200">
+                <a:solidFill>
+                  <a:schemeClr val="tx1">
+                    <a:lumMod val="75000"/>
+                    <a:lumOff val="25000"/>
+                  </a:schemeClr>
+                </a:solidFill>
+                <a:latin typeface="+mn-lt"/>
+                <a:ea typeface="+mn-ea"/>
+                <a:cs typeface="+mn-cs"/>
+              </a:defRPr>
+            </a:lvl9pPr>
+          </a:lstStyle>
+          <a:p>
+            <a:r>
+              <a:rPr lang="cs-CZ" dirty="0"/>
+              <a:t>Relativně funkční systém pro nahrávání článku, recenzí</a:t>
+            </a:r>
+          </a:p>
+          <a:p>
+            <a:r>
+              <a:rPr lang="cs-CZ" dirty="0"/>
+              <a:t>Schvalování článků editorem</a:t>
+            </a:r>
+          </a:p>
+          <a:p>
+            <a:r>
+              <a:rPr lang="cs-CZ" dirty="0"/>
+              <a:t>Kompletní správa uživatelských účtů</a:t>
+            </a:r>
+          </a:p>
+        </p:txBody>
+      </p:sp>
+    </p:spTree>
+    <p:extLst>
+      <p:ext uri="{BB962C8B-B14F-4D97-AF65-F5344CB8AC3E}">
+        <p14:creationId xmlns:p14="http://schemas.microsoft.com/office/powerpoint/2010/main" val="3834289641"/>
+      </p:ext>
+    </p:extLst>
+  </p:cSld>
+  <p:clrMapOvr>
+    <a:masterClrMapping/>
+  </p:clrMapOvr>
+</p:sld>
+</file>
+
+<file path=ppt/slides/slide20.xml><?xml version="1.0" encoding="utf-8"?>
 <p:sld xmlns:a="http://schemas.openxmlformats.org/drawingml/2006/main" xmlns:r="http://schemas.openxmlformats.org/officeDocument/2006/relationships" xmlns:p="http://schemas.openxmlformats.org/presentationml/2006/main">
   <p:cSld>
     <p:spTree>
@@ -7325,7 +8125,7 @@
 </p:sld>
 </file>
 
-<file path=ppt/slides/slide19.xml><?xml version="1.0" encoding="utf-8"?>
+<file path=ppt/slides/slide21.xml><?xml version="1.0" encoding="utf-8"?>
 <p:sld xmlns:a="http://schemas.openxmlformats.org/drawingml/2006/main" xmlns:r="http://schemas.openxmlformats.org/officeDocument/2006/relationships" xmlns:p="http://schemas.openxmlformats.org/presentationml/2006/main">
   <p:cSld>
     <p:spTree>
@@ -7709,153 +8509,7 @@
 </p:sld>
 </file>
 
-<file path=ppt/slides/slide2.xml><?xml version="1.0" encoding="utf-8"?>
-<p:sld xmlns:a="http://schemas.openxmlformats.org/drawingml/2006/main" xmlns:r="http://schemas.openxmlformats.org/officeDocument/2006/relationships" xmlns:p="http://schemas.openxmlformats.org/presentationml/2006/main">
-  <p:cSld>
-    <p:spTree>
-      <p:nvGrpSpPr>
-        <p:cNvPr id="1" name=""/>
-        <p:cNvGrpSpPr/>
-        <p:nvPr/>
-      </p:nvGrpSpPr>
-      <p:grpSpPr>
-        <a:xfrm>
-          <a:off x="0" y="0"/>
-          <a:ext cx="0" cy="0"/>
-          <a:chOff x="0" y="0"/>
-          <a:chExt cx="0" cy="0"/>
-        </a:xfrm>
-      </p:grpSpPr>
-      <p:sp>
-        <p:nvSpPr>
-          <p:cNvPr id="2" name="Nadpis 1">
-            <a:extLst>
-              <a:ext uri="{FF2B5EF4-FFF2-40B4-BE49-F238E27FC236}">
-                <a16:creationId xmlns:a16="http://schemas.microsoft.com/office/drawing/2014/main" id="{043BA04F-E9D2-4839-8565-3FF8231E764C}"/>
-              </a:ext>
-            </a:extLst>
-          </p:cNvPr>
-          <p:cNvSpPr>
-            <a:spLocks noGrp="1"/>
-          </p:cNvSpPr>
-          <p:nvPr>
-            <p:ph type="title"/>
-          </p:nvPr>
-        </p:nvSpPr>
-        <p:spPr/>
-        <p:txBody>
-          <a:bodyPr/>
-          <a:lstStyle/>
-          <a:p>
-            <a:r>
-              <a:rPr lang="cs-CZ" dirty="0"/>
-              <a:t>Úvodní strana</a:t>
-            </a:r>
-          </a:p>
-        </p:txBody>
-      </p:sp>
-      <p:sp>
-        <p:nvSpPr>
-          <p:cNvPr id="7" name="Zástupný symbol pro obsah 6">
-            <a:extLst>
-              <a:ext uri="{FF2B5EF4-FFF2-40B4-BE49-F238E27FC236}">
-                <a16:creationId xmlns:a16="http://schemas.microsoft.com/office/drawing/2014/main" id="{352BEDA2-3280-48BE-BC32-4C4A10E04CF3}"/>
-              </a:ext>
-            </a:extLst>
-          </p:cNvPr>
-          <p:cNvSpPr>
-            <a:spLocks noGrp="1"/>
-          </p:cNvSpPr>
-          <p:nvPr>
-            <p:ph idx="1"/>
-          </p:nvPr>
-        </p:nvSpPr>
-        <p:spPr>
-          <a:xfrm>
-            <a:off x="677334" y="1677263"/>
-            <a:ext cx="8596668" cy="3880773"/>
-          </a:xfrm>
-        </p:spPr>
-        <p:txBody>
-          <a:bodyPr/>
-          <a:lstStyle/>
-          <a:p>
-            <a:r>
-              <a:rPr lang="cs-CZ" dirty="0"/>
-              <a:t>Úvodní strana informačního systému</a:t>
-            </a:r>
-          </a:p>
-          <a:p>
-            <a:r>
-              <a:rPr lang="cs-CZ" dirty="0"/>
-              <a:t>Pole pro přihlášení</a:t>
-            </a:r>
-          </a:p>
-          <a:p>
-            <a:endParaRPr lang="cs-CZ" dirty="0"/>
-          </a:p>
-        </p:txBody>
-      </p:sp>
-      <p:pic>
-        <p:nvPicPr>
-          <p:cNvPr id="9" name="Obrázek 8">
-            <a:extLst>
-              <a:ext uri="{FF2B5EF4-FFF2-40B4-BE49-F238E27FC236}">
-                <a16:creationId xmlns:a16="http://schemas.microsoft.com/office/drawing/2014/main" id="{82A7F118-C977-429C-8854-94BBB1087A85}"/>
-              </a:ext>
-            </a:extLst>
-          </p:cNvPr>
-          <p:cNvPicPr>
-            <a:picLocks noChangeAspect="1"/>
-          </p:cNvPicPr>
-          <p:nvPr/>
-        </p:nvPicPr>
-        <p:blipFill>
-          <a:blip r:embed="rId2">
-            <a:extLst>
-              <a:ext uri="{28A0092B-C50C-407E-A947-70E740481C1C}">
-                <a14:useLocalDpi xmlns:a14="http://schemas.microsoft.com/office/drawing/2010/main" val="0"/>
-              </a:ext>
-            </a:extLst>
-          </a:blip>
-          <a:stretch>
-            <a:fillRect/>
-          </a:stretch>
-        </p:blipFill>
-        <p:spPr>
-          <a:xfrm>
-            <a:off x="677334" y="2519780"/>
-            <a:ext cx="9786015" cy="4105919"/>
-          </a:xfrm>
-          <a:prstGeom prst="rect">
-            <a:avLst/>
-          </a:prstGeom>
-          <a:ln>
-            <a:noFill/>
-          </a:ln>
-          <a:effectLst>
-            <a:outerShdw blurRad="190500" algn="tl" rotWithShape="0">
-              <a:srgbClr val="000000">
-                <a:alpha val="70000"/>
-              </a:srgbClr>
-            </a:outerShdw>
-          </a:effectLst>
-        </p:spPr>
-      </p:pic>
-    </p:spTree>
-    <p:extLst>
-      <p:ext uri="{BB962C8B-B14F-4D97-AF65-F5344CB8AC3E}">
-        <p14:creationId xmlns:p14="http://schemas.microsoft.com/office/powerpoint/2010/main" val="450139600"/>
-      </p:ext>
-    </p:extLst>
-  </p:cSld>
-  <p:clrMapOvr>
-    <a:masterClrMapping/>
-  </p:clrMapOvr>
-</p:sld>
-</file>
-
-<file path=ppt/slides/slide20.xml><?xml version="1.0" encoding="utf-8"?>
+<file path=ppt/slides/slide22.xml><?xml version="1.0" encoding="utf-8"?>
 <p:sld xmlns:a="http://schemas.openxmlformats.org/drawingml/2006/main" xmlns:r="http://schemas.openxmlformats.org/officeDocument/2006/relationships" xmlns:p="http://schemas.openxmlformats.org/presentationml/2006/main">
   <p:cSld>
     <p:spTree>
@@ -8006,7 +8660,99 @@
 </p:sld>
 </file>
 
-<file path=ppt/slides/slide21.xml><?xml version="1.0" encoding="utf-8"?>
+<file path=ppt/slides/slide23.xml><?xml version="1.0" encoding="utf-8"?>
+<p:sld xmlns:a="http://schemas.openxmlformats.org/drawingml/2006/main" xmlns:r="http://schemas.openxmlformats.org/officeDocument/2006/relationships" xmlns:p="http://schemas.openxmlformats.org/presentationml/2006/main">
+  <p:cSld>
+    <p:spTree>
+      <p:nvGrpSpPr>
+        <p:cNvPr id="1" name=""/>
+        <p:cNvGrpSpPr/>
+        <p:nvPr/>
+      </p:nvGrpSpPr>
+      <p:grpSpPr>
+        <a:xfrm>
+          <a:off x="0" y="0"/>
+          <a:ext cx="0" cy="0"/>
+          <a:chOff x="0" y="0"/>
+          <a:chExt cx="0" cy="0"/>
+        </a:xfrm>
+      </p:grpSpPr>
+      <p:sp>
+        <p:nvSpPr>
+          <p:cNvPr id="2" name="Nadpis 1">
+            <a:extLst>
+              <a:ext uri="{FF2B5EF4-FFF2-40B4-BE49-F238E27FC236}">
+                <a16:creationId xmlns:a16="http://schemas.microsoft.com/office/drawing/2014/main" id="{3EE66BFA-9B45-44A2-85D1-624C24756357}"/>
+              </a:ext>
+            </a:extLst>
+          </p:cNvPr>
+          <p:cNvSpPr>
+            <a:spLocks noGrp="1"/>
+          </p:cNvSpPr>
+          <p:nvPr>
+            <p:ph type="title"/>
+          </p:nvPr>
+        </p:nvSpPr>
+        <p:spPr/>
+        <p:txBody>
+          <a:bodyPr/>
+          <a:lstStyle/>
+          <a:p>
+            <a:r>
+              <a:rPr lang="cs-CZ" dirty="0"/>
+              <a:t>Návrh a priorita práce pro následující sprint</a:t>
+            </a:r>
+          </a:p>
+        </p:txBody>
+      </p:sp>
+      <p:sp>
+        <p:nvSpPr>
+          <p:cNvPr id="3" name="Zástupný symbol pro obsah 2">
+            <a:extLst>
+              <a:ext uri="{FF2B5EF4-FFF2-40B4-BE49-F238E27FC236}">
+                <a16:creationId xmlns:a16="http://schemas.microsoft.com/office/drawing/2014/main" id="{02E5A69B-5BB4-4341-ADB7-E3EB2B632091}"/>
+              </a:ext>
+            </a:extLst>
+          </p:cNvPr>
+          <p:cNvSpPr>
+            <a:spLocks noGrp="1"/>
+          </p:cNvSpPr>
+          <p:nvPr>
+            <p:ph idx="1"/>
+          </p:nvPr>
+        </p:nvSpPr>
+        <p:spPr/>
+        <p:txBody>
+          <a:bodyPr/>
+          <a:lstStyle/>
+          <a:p>
+            <a:r>
+              <a:rPr lang="cs-CZ" dirty="0"/>
+              <a:t>Dokončení funkcí pro správu článku</a:t>
+            </a:r>
+          </a:p>
+          <a:p>
+            <a:r>
+              <a:rPr lang="cs-CZ" dirty="0"/>
+              <a:t>Oprava funkce pro smazání špatných článků</a:t>
+            </a:r>
+          </a:p>
+        </p:txBody>
+      </p:sp>
+    </p:spTree>
+    <p:extLst>
+      <p:ext uri="{BB962C8B-B14F-4D97-AF65-F5344CB8AC3E}">
+        <p14:creationId xmlns:p14="http://schemas.microsoft.com/office/powerpoint/2010/main" val="295863938"/>
+      </p:ext>
+    </p:extLst>
+  </p:cSld>
+  <p:clrMapOvr>
+    <a:masterClrMapping/>
+  </p:clrMapOvr>
+</p:sld>
+</file>
+
+<file path=ppt/slides/slide24.xml><?xml version="1.0" encoding="utf-8"?>
 <p:sld xmlns:a="http://schemas.openxmlformats.org/drawingml/2006/main" xmlns:r="http://schemas.openxmlformats.org/officeDocument/2006/relationships" xmlns:p="http://schemas.openxmlformats.org/presentationml/2006/main">
   <p:cSld>
     <p:spTree>
@@ -8111,6 +8857,292 @@
           <p:cNvPr id="2" name="Nadpis 1">
             <a:extLst>
               <a:ext uri="{FF2B5EF4-FFF2-40B4-BE49-F238E27FC236}">
+                <a16:creationId xmlns:a16="http://schemas.microsoft.com/office/drawing/2014/main" id="{70D893A0-FB9A-4673-A001-5AFC97D77F8B}"/>
+              </a:ext>
+            </a:extLst>
+          </p:cNvPr>
+          <p:cNvSpPr>
+            <a:spLocks noGrp="1"/>
+          </p:cNvSpPr>
+          <p:nvPr>
+            <p:ph type="title"/>
+          </p:nvPr>
+        </p:nvSpPr>
+        <p:spPr/>
+        <p:txBody>
+          <a:bodyPr/>
+          <a:lstStyle/>
+          <a:p>
+            <a:r>
+              <a:rPr lang="cs-CZ" dirty="0"/>
+              <a:t>Průběh sprintu </a:t>
+            </a:r>
+          </a:p>
+        </p:txBody>
+      </p:sp>
+      <p:sp>
+        <p:nvSpPr>
+          <p:cNvPr id="3" name="Zástupný symbol pro obsah 2">
+            <a:extLst>
+              <a:ext uri="{FF2B5EF4-FFF2-40B4-BE49-F238E27FC236}">
+                <a16:creationId xmlns:a16="http://schemas.microsoft.com/office/drawing/2014/main" id="{BB31D6E3-CFD9-4037-9B73-2CE92C01F813}"/>
+              </a:ext>
+            </a:extLst>
+          </p:cNvPr>
+          <p:cNvSpPr>
+            <a:spLocks noGrp="1"/>
+          </p:cNvSpPr>
+          <p:nvPr>
+            <p:ph idx="1"/>
+          </p:nvPr>
+        </p:nvSpPr>
+        <p:spPr/>
+        <p:txBody>
+          <a:bodyPr/>
+          <a:lstStyle/>
+          <a:p>
+            <a:r>
+              <a:rPr lang="cs-CZ" dirty="0"/>
+              <a:t>Definování všech uživatelských příběhů</a:t>
+            </a:r>
+          </a:p>
+          <a:p>
+            <a:r>
+              <a:rPr lang="cs-CZ" dirty="0"/>
+              <a:t>Dokumenty pro sponzora projektu</a:t>
+            </a:r>
+          </a:p>
+          <a:p>
+            <a:r>
+              <a:rPr lang="cs-CZ" dirty="0"/>
+              <a:t>Rozdělení hodin na jednotlivé úkoly</a:t>
+            </a:r>
+          </a:p>
+          <a:p>
+            <a:r>
+              <a:rPr lang="cs-CZ" dirty="0"/>
+              <a:t>Práce na hlavních funkcích informačního systému</a:t>
+            </a:r>
+          </a:p>
+          <a:p>
+            <a:endParaRPr lang="cs-CZ" dirty="0"/>
+          </a:p>
+          <a:p>
+            <a:r>
+              <a:rPr lang="cs-CZ" dirty="0"/>
+              <a:t>Během sprintu se vyskytly chyby</a:t>
+            </a:r>
+          </a:p>
+          <a:p>
+            <a:pPr lvl="1"/>
+            <a:r>
+              <a:rPr lang="cs-CZ" dirty="0"/>
+              <a:t>Datum v prohlížeči </a:t>
+            </a:r>
+            <a:r>
+              <a:rPr lang="cs-CZ" dirty="0" err="1"/>
+              <a:t>Mozilla</a:t>
+            </a:r>
+            <a:r>
+              <a:rPr lang="cs-CZ" dirty="0"/>
+              <a:t> </a:t>
+            </a:r>
+            <a:r>
+              <a:rPr lang="cs-CZ" dirty="0" err="1"/>
+              <a:t>Firefox</a:t>
+            </a:r>
+            <a:endParaRPr lang="cs-CZ" dirty="0"/>
+          </a:p>
+          <a:p>
+            <a:pPr lvl="1"/>
+            <a:r>
+              <a:rPr lang="cs-CZ" dirty="0"/>
+              <a:t>Nahrávání souborů </a:t>
+            </a:r>
+          </a:p>
+        </p:txBody>
+      </p:sp>
+    </p:spTree>
+    <p:extLst>
+      <p:ext uri="{BB962C8B-B14F-4D97-AF65-F5344CB8AC3E}">
+        <p14:creationId xmlns:p14="http://schemas.microsoft.com/office/powerpoint/2010/main" val="3763598643"/>
+      </p:ext>
+    </p:extLst>
+  </p:cSld>
+  <p:clrMapOvr>
+    <a:masterClrMapping/>
+  </p:clrMapOvr>
+</p:sld>
+</file>
+
+<file path=ppt/slides/slide4.xml><?xml version="1.0" encoding="utf-8"?>
+<p:sld xmlns:a="http://schemas.openxmlformats.org/drawingml/2006/main" xmlns:r="http://schemas.openxmlformats.org/officeDocument/2006/relationships" xmlns:p="http://schemas.openxmlformats.org/presentationml/2006/main">
+  <p:cSld>
+    <p:spTree>
+      <p:nvGrpSpPr>
+        <p:cNvPr id="1" name=""/>
+        <p:cNvGrpSpPr/>
+        <p:nvPr/>
+      </p:nvGrpSpPr>
+      <p:grpSpPr>
+        <a:xfrm>
+          <a:off x="0" y="0"/>
+          <a:ext cx="0" cy="0"/>
+          <a:chOff x="0" y="0"/>
+          <a:chExt cx="0" cy="0"/>
+        </a:xfrm>
+      </p:grpSpPr>
+      <p:sp>
+        <p:nvSpPr>
+          <p:cNvPr id="2" name="Nadpis 1">
+            <a:extLst>
+              <a:ext uri="{FF2B5EF4-FFF2-40B4-BE49-F238E27FC236}">
+                <a16:creationId xmlns:a16="http://schemas.microsoft.com/office/drawing/2014/main" id="{043BA04F-E9D2-4839-8565-3FF8231E764C}"/>
+              </a:ext>
+            </a:extLst>
+          </p:cNvPr>
+          <p:cNvSpPr>
+            <a:spLocks noGrp="1"/>
+          </p:cNvSpPr>
+          <p:nvPr>
+            <p:ph type="title"/>
+          </p:nvPr>
+        </p:nvSpPr>
+        <p:spPr/>
+        <p:txBody>
+          <a:bodyPr/>
+          <a:lstStyle/>
+          <a:p>
+            <a:r>
+              <a:rPr lang="cs-CZ" dirty="0"/>
+              <a:t>Úvodní strana</a:t>
+            </a:r>
+          </a:p>
+        </p:txBody>
+      </p:sp>
+      <p:sp>
+        <p:nvSpPr>
+          <p:cNvPr id="7" name="Zástupný symbol pro obsah 6">
+            <a:extLst>
+              <a:ext uri="{FF2B5EF4-FFF2-40B4-BE49-F238E27FC236}">
+                <a16:creationId xmlns:a16="http://schemas.microsoft.com/office/drawing/2014/main" id="{352BEDA2-3280-48BE-BC32-4C4A10E04CF3}"/>
+              </a:ext>
+            </a:extLst>
+          </p:cNvPr>
+          <p:cNvSpPr>
+            <a:spLocks noGrp="1"/>
+          </p:cNvSpPr>
+          <p:nvPr>
+            <p:ph idx="1"/>
+          </p:nvPr>
+        </p:nvSpPr>
+        <p:spPr>
+          <a:xfrm>
+            <a:off x="677334" y="1677263"/>
+            <a:ext cx="8596668" cy="3880773"/>
+          </a:xfrm>
+        </p:spPr>
+        <p:txBody>
+          <a:bodyPr/>
+          <a:lstStyle/>
+          <a:p>
+            <a:r>
+              <a:rPr lang="cs-CZ" dirty="0"/>
+              <a:t>Úvodní strana informačního systému</a:t>
+            </a:r>
+          </a:p>
+          <a:p>
+            <a:r>
+              <a:rPr lang="cs-CZ" dirty="0"/>
+              <a:t>Pole pro přihlášení</a:t>
+            </a:r>
+          </a:p>
+          <a:p>
+            <a:endParaRPr lang="cs-CZ" dirty="0"/>
+          </a:p>
+        </p:txBody>
+      </p:sp>
+      <p:pic>
+        <p:nvPicPr>
+          <p:cNvPr id="9" name="Obrázek 8">
+            <a:extLst>
+              <a:ext uri="{FF2B5EF4-FFF2-40B4-BE49-F238E27FC236}">
+                <a16:creationId xmlns:a16="http://schemas.microsoft.com/office/drawing/2014/main" id="{82A7F118-C977-429C-8854-94BBB1087A85}"/>
+              </a:ext>
+            </a:extLst>
+          </p:cNvPr>
+          <p:cNvPicPr>
+            <a:picLocks noChangeAspect="1"/>
+          </p:cNvPicPr>
+          <p:nvPr/>
+        </p:nvPicPr>
+        <p:blipFill>
+          <a:blip r:embed="rId2">
+            <a:extLst>
+              <a:ext uri="{28A0092B-C50C-407E-A947-70E740481C1C}">
+                <a14:useLocalDpi xmlns:a14="http://schemas.microsoft.com/office/drawing/2010/main" val="0"/>
+              </a:ext>
+            </a:extLst>
+          </a:blip>
+          <a:stretch>
+            <a:fillRect/>
+          </a:stretch>
+        </p:blipFill>
+        <p:spPr>
+          <a:xfrm>
+            <a:off x="677334" y="2519780"/>
+            <a:ext cx="9786015" cy="4105919"/>
+          </a:xfrm>
+          <a:prstGeom prst="rect">
+            <a:avLst/>
+          </a:prstGeom>
+          <a:ln>
+            <a:noFill/>
+          </a:ln>
+          <a:effectLst>
+            <a:outerShdw blurRad="190500" algn="tl" rotWithShape="0">
+              <a:srgbClr val="000000">
+                <a:alpha val="70000"/>
+              </a:srgbClr>
+            </a:outerShdw>
+          </a:effectLst>
+        </p:spPr>
+      </p:pic>
+    </p:spTree>
+    <p:extLst>
+      <p:ext uri="{BB962C8B-B14F-4D97-AF65-F5344CB8AC3E}">
+        <p14:creationId xmlns:p14="http://schemas.microsoft.com/office/powerpoint/2010/main" val="450139600"/>
+      </p:ext>
+    </p:extLst>
+  </p:cSld>
+  <p:clrMapOvr>
+    <a:masterClrMapping/>
+  </p:clrMapOvr>
+</p:sld>
+</file>
+
+<file path=ppt/slides/slide5.xml><?xml version="1.0" encoding="utf-8"?>
+<p:sld xmlns:a="http://schemas.openxmlformats.org/drawingml/2006/main" xmlns:r="http://schemas.openxmlformats.org/officeDocument/2006/relationships" xmlns:p="http://schemas.openxmlformats.org/presentationml/2006/main">
+  <p:cSld>
+    <p:spTree>
+      <p:nvGrpSpPr>
+        <p:cNvPr id="1" name=""/>
+        <p:cNvGrpSpPr/>
+        <p:nvPr/>
+      </p:nvGrpSpPr>
+      <p:grpSpPr>
+        <a:xfrm>
+          <a:off x="0" y="0"/>
+          <a:ext cx="0" cy="0"/>
+          <a:chOff x="0" y="0"/>
+          <a:chExt cx="0" cy="0"/>
+        </a:xfrm>
+      </p:grpSpPr>
+      <p:sp>
+        <p:nvSpPr>
+          <p:cNvPr id="2" name="Nadpis 1">
+            <a:extLst>
+              <a:ext uri="{FF2B5EF4-FFF2-40B4-BE49-F238E27FC236}">
                 <a16:creationId xmlns:a16="http://schemas.microsoft.com/office/drawing/2014/main" id="{AA834404-78C7-4E98-90E9-1CDE41B170E8}"/>
               </a:ext>
             </a:extLst>
@@ -8235,7 +9267,7 @@
 </p:sld>
 </file>
 
-<file path=ppt/slides/slide4.xml><?xml version="1.0" encoding="utf-8"?>
+<file path=ppt/slides/slide6.xml><?xml version="1.0" encoding="utf-8"?>
 <p:sld xmlns:a="http://schemas.openxmlformats.org/drawingml/2006/main" xmlns:r="http://schemas.openxmlformats.org/officeDocument/2006/relationships" xmlns:p="http://schemas.openxmlformats.org/presentationml/2006/main">
   <p:cSld>
     <p:spTree>
@@ -8387,7 +9419,7 @@
 </p:sld>
 </file>
 
-<file path=ppt/slides/slide5.xml><?xml version="1.0" encoding="utf-8"?>
+<file path=ppt/slides/slide7.xml><?xml version="1.0" encoding="utf-8"?>
 <p:sld xmlns:a="http://schemas.openxmlformats.org/drawingml/2006/main" xmlns:r="http://schemas.openxmlformats.org/officeDocument/2006/relationships" xmlns:p="http://schemas.openxmlformats.org/presentationml/2006/main">
   <p:cSld>
     <p:spTree>
@@ -8533,7 +9565,7 @@
 </p:sld>
 </file>
 
-<file path=ppt/slides/slide6.xml><?xml version="1.0" encoding="utf-8"?>
+<file path=ppt/slides/slide8.xml><?xml version="1.0" encoding="utf-8"?>
 <p:sld xmlns:a="http://schemas.openxmlformats.org/drawingml/2006/main" xmlns:r="http://schemas.openxmlformats.org/officeDocument/2006/relationships" xmlns:p="http://schemas.openxmlformats.org/presentationml/2006/main">
   <p:cSld>
     <p:spTree>
@@ -8691,7 +9723,7 @@
 </p:sld>
 </file>
 
-<file path=ppt/slides/slide7.xml><?xml version="1.0" encoding="utf-8"?>
+<file path=ppt/slides/slide9.xml><?xml version="1.0" encoding="utf-8"?>
 <p:sld xmlns:a="http://schemas.openxmlformats.org/drawingml/2006/main" xmlns:r="http://schemas.openxmlformats.org/officeDocument/2006/relationships" xmlns:p="http://schemas.openxmlformats.org/presentationml/2006/main">
   <p:cSld>
     <p:spTree>
@@ -8775,19 +9807,14 @@
           <a:p>
             <a:r>
               <a:rPr lang="cs-CZ" dirty="0"/>
-              <a:t>Podporovaný </a:t>
-            </a:r>
-            <a:r>
-              <a:rPr lang="cs-CZ" dirty="0" smtClean="0"/>
-              <a:t>formát</a:t>
-            </a:r>
-          </a:p>
-          <a:p>
-            <a:r>
-              <a:rPr lang="cs-CZ" dirty="0" smtClean="0"/>
+              <a:t>Podporovaný formát</a:t>
+            </a:r>
+          </a:p>
+          <a:p>
+            <a:r>
+              <a:rPr lang="cs-CZ" dirty="0"/>
               <a:t>Možnost zadání spoluautorů</a:t>
             </a:r>
-            <a:endParaRPr lang="cs-CZ" dirty="0"/>
           </a:p>
           <a:p>
             <a:endParaRPr lang="cs-CZ" dirty="0"/>
@@ -8844,314 +9871,6 @@
     <p:extLst>
       <p:ext uri="{BB962C8B-B14F-4D97-AF65-F5344CB8AC3E}">
         <p14:creationId xmlns:p14="http://schemas.microsoft.com/office/powerpoint/2010/main" val="3036605104"/>
-      </p:ext>
-    </p:extLst>
-  </p:cSld>
-  <p:clrMapOvr>
-    <a:masterClrMapping/>
-  </p:clrMapOvr>
-</p:sld>
-</file>
-
-<file path=ppt/slides/slide8.xml><?xml version="1.0" encoding="utf-8"?>
-<p:sld xmlns:a="http://schemas.openxmlformats.org/drawingml/2006/main" xmlns:r="http://schemas.openxmlformats.org/officeDocument/2006/relationships" xmlns:p="http://schemas.openxmlformats.org/presentationml/2006/main">
-  <p:cSld>
-    <p:spTree>
-      <p:nvGrpSpPr>
-        <p:cNvPr id="1" name=""/>
-        <p:cNvGrpSpPr/>
-        <p:nvPr/>
-      </p:nvGrpSpPr>
-      <p:grpSpPr>
-        <a:xfrm>
-          <a:off x="0" y="0"/>
-          <a:ext cx="0" cy="0"/>
-          <a:chOff x="0" y="0"/>
-          <a:chExt cx="0" cy="0"/>
-        </a:xfrm>
-      </p:grpSpPr>
-      <p:sp>
-        <p:nvSpPr>
-          <p:cNvPr id="2" name="Nadpis 1">
-            <a:extLst>
-              <a:ext uri="{FF2B5EF4-FFF2-40B4-BE49-F238E27FC236}">
-                <a16:creationId xmlns:a16="http://schemas.microsoft.com/office/drawing/2014/main" id="{6B6500FE-7DDD-4253-AAFF-605685FB80C8}"/>
-              </a:ext>
-            </a:extLst>
-          </p:cNvPr>
-          <p:cNvSpPr>
-            <a:spLocks noGrp="1"/>
-          </p:cNvSpPr>
-          <p:nvPr>
-            <p:ph type="title"/>
-          </p:nvPr>
-        </p:nvSpPr>
-        <p:spPr>
-          <a:xfrm>
-            <a:off x="677334" y="609600"/>
-            <a:ext cx="8596668" cy="670560"/>
-          </a:xfrm>
-        </p:spPr>
-        <p:txBody>
-          <a:bodyPr/>
-          <a:lstStyle/>
-          <a:p>
-            <a:r>
-              <a:rPr lang="cs-CZ" dirty="0"/>
-              <a:t>Podrobnosti článek</a:t>
-            </a:r>
-          </a:p>
-        </p:txBody>
-      </p:sp>
-      <p:sp>
-        <p:nvSpPr>
-          <p:cNvPr id="3" name="Zástupný symbol pro obsah 2">
-            <a:extLst>
-              <a:ext uri="{FF2B5EF4-FFF2-40B4-BE49-F238E27FC236}">
-                <a16:creationId xmlns:a16="http://schemas.microsoft.com/office/drawing/2014/main" id="{D1FC1170-FD1B-4C92-A03E-3A58E3E03DA9}"/>
-              </a:ext>
-            </a:extLst>
-          </p:cNvPr>
-          <p:cNvSpPr>
-            <a:spLocks noGrp="1"/>
-          </p:cNvSpPr>
-          <p:nvPr>
-            <p:ph idx="1"/>
-          </p:nvPr>
-        </p:nvSpPr>
-        <p:spPr>
-          <a:xfrm>
-            <a:off x="677334" y="1488613"/>
-            <a:ext cx="8596668" cy="3880773"/>
-          </a:xfrm>
-        </p:spPr>
-        <p:txBody>
-          <a:bodyPr/>
-          <a:lstStyle/>
-          <a:p>
-            <a:r>
-              <a:rPr lang="cs-CZ" dirty="0"/>
-              <a:t>Možnost stáhnout nebo zobrazit</a:t>
-            </a:r>
-          </a:p>
-          <a:p>
-            <a:r>
-              <a:rPr lang="cs-CZ" dirty="0"/>
-              <a:t>Totéž i s recenzemi</a:t>
-            </a:r>
-          </a:p>
-          <a:p>
-            <a:r>
-              <a:rPr lang="cs-CZ" dirty="0"/>
-              <a:t>Ostatní informace o článku</a:t>
-            </a:r>
-          </a:p>
-          <a:p>
-            <a:endParaRPr lang="cs-CZ" dirty="0"/>
-          </a:p>
-        </p:txBody>
-      </p:sp>
-      <p:pic>
-        <p:nvPicPr>
-          <p:cNvPr id="5" name="Obrázek 4">
-            <a:extLst>
-              <a:ext uri="{FF2B5EF4-FFF2-40B4-BE49-F238E27FC236}">
-                <a16:creationId xmlns:a16="http://schemas.microsoft.com/office/drawing/2014/main" id="{92885CC8-F53B-4FFA-9EBA-51084A1B6B15}"/>
-              </a:ext>
-            </a:extLst>
-          </p:cNvPr>
-          <p:cNvPicPr>
-            <a:picLocks noChangeAspect="1"/>
-          </p:cNvPicPr>
-          <p:nvPr/>
-        </p:nvPicPr>
-        <p:blipFill>
-          <a:blip r:embed="rId2">
-            <a:extLst>
-              <a:ext uri="{28A0092B-C50C-407E-A947-70E740481C1C}">
-                <a14:useLocalDpi xmlns:a14="http://schemas.microsoft.com/office/drawing/2010/main" val="0"/>
-              </a:ext>
-            </a:extLst>
-          </a:blip>
-          <a:stretch>
-            <a:fillRect/>
-          </a:stretch>
-        </p:blipFill>
-        <p:spPr>
-          <a:xfrm>
-            <a:off x="3933575" y="2116183"/>
-            <a:ext cx="8102955" cy="4346523"/>
-          </a:xfrm>
-          <a:prstGeom prst="rect">
-            <a:avLst/>
-          </a:prstGeom>
-          <a:ln>
-            <a:noFill/>
-          </a:ln>
-          <a:effectLst>
-            <a:outerShdw blurRad="190500" algn="tl" rotWithShape="0">
-              <a:srgbClr val="000000">
-                <a:alpha val="70000"/>
-              </a:srgbClr>
-            </a:outerShdw>
-          </a:effectLst>
-        </p:spPr>
-      </p:pic>
-    </p:spTree>
-    <p:extLst>
-      <p:ext uri="{BB962C8B-B14F-4D97-AF65-F5344CB8AC3E}">
-        <p14:creationId xmlns:p14="http://schemas.microsoft.com/office/powerpoint/2010/main" val="4190216705"/>
-      </p:ext>
-    </p:extLst>
-  </p:cSld>
-  <p:clrMapOvr>
-    <a:masterClrMapping/>
-  </p:clrMapOvr>
-</p:sld>
-</file>
-
-<file path=ppt/slides/slide9.xml><?xml version="1.0" encoding="utf-8"?>
-<p:sld xmlns:a="http://schemas.openxmlformats.org/drawingml/2006/main" xmlns:r="http://schemas.openxmlformats.org/officeDocument/2006/relationships" xmlns:p="http://schemas.openxmlformats.org/presentationml/2006/main">
-  <p:cSld>
-    <p:spTree>
-      <p:nvGrpSpPr>
-        <p:cNvPr id="1" name=""/>
-        <p:cNvGrpSpPr/>
-        <p:nvPr/>
-      </p:nvGrpSpPr>
-      <p:grpSpPr>
-        <a:xfrm>
-          <a:off x="0" y="0"/>
-          <a:ext cx="0" cy="0"/>
-          <a:chOff x="0" y="0"/>
-          <a:chExt cx="0" cy="0"/>
-        </a:xfrm>
-      </p:grpSpPr>
-      <p:sp>
-        <p:nvSpPr>
-          <p:cNvPr id="2" name="Nadpis 1">
-            <a:extLst>
-              <a:ext uri="{FF2B5EF4-FFF2-40B4-BE49-F238E27FC236}">
-                <a16:creationId xmlns:a16="http://schemas.microsoft.com/office/drawing/2014/main" id="{DBB18F70-EA59-42C3-994F-A251BC4CC0A0}"/>
-              </a:ext>
-            </a:extLst>
-          </p:cNvPr>
-          <p:cNvSpPr>
-            <a:spLocks noGrp="1"/>
-          </p:cNvSpPr>
-          <p:nvPr>
-            <p:ph type="title"/>
-          </p:nvPr>
-        </p:nvSpPr>
-        <p:spPr>
-          <a:xfrm>
-            <a:off x="677334" y="609600"/>
-            <a:ext cx="8596668" cy="735874"/>
-          </a:xfrm>
-        </p:spPr>
-        <p:txBody>
-          <a:bodyPr/>
-          <a:lstStyle/>
-          <a:p>
-            <a:r>
-              <a:rPr lang="cs-CZ" dirty="0"/>
-              <a:t>Po přihlášení - recenzent</a:t>
-            </a:r>
-          </a:p>
-        </p:txBody>
-      </p:sp>
-      <p:sp>
-        <p:nvSpPr>
-          <p:cNvPr id="3" name="Zástupný symbol pro obsah 2">
-            <a:extLst>
-              <a:ext uri="{FF2B5EF4-FFF2-40B4-BE49-F238E27FC236}">
-                <a16:creationId xmlns:a16="http://schemas.microsoft.com/office/drawing/2014/main" id="{70F392D2-641F-4DCD-BFE7-B55DAD716D0D}"/>
-              </a:ext>
-            </a:extLst>
-          </p:cNvPr>
-          <p:cNvSpPr>
-            <a:spLocks noGrp="1"/>
-          </p:cNvSpPr>
-          <p:nvPr>
-            <p:ph idx="1"/>
-          </p:nvPr>
-        </p:nvSpPr>
-        <p:spPr>
-          <a:xfrm>
-            <a:off x="677334" y="1611949"/>
-            <a:ext cx="8596668" cy="3880773"/>
-          </a:xfrm>
-        </p:spPr>
-        <p:txBody>
-          <a:bodyPr/>
-          <a:lstStyle/>
-          <a:p>
-            <a:r>
-              <a:rPr lang="cs-CZ" dirty="0"/>
-              <a:t>Příští čísla</a:t>
-            </a:r>
-          </a:p>
-          <a:p>
-            <a:r>
-              <a:rPr lang="cs-CZ" dirty="0"/>
-              <a:t>Nejnovější recenze</a:t>
-            </a:r>
-          </a:p>
-          <a:p>
-            <a:endParaRPr lang="cs-CZ" dirty="0"/>
-          </a:p>
-        </p:txBody>
-      </p:sp>
-      <p:pic>
-        <p:nvPicPr>
-          <p:cNvPr id="5" name="Obrázek 4">
-            <a:extLst>
-              <a:ext uri="{FF2B5EF4-FFF2-40B4-BE49-F238E27FC236}">
-                <a16:creationId xmlns:a16="http://schemas.microsoft.com/office/drawing/2014/main" id="{0509455D-6E8D-4856-8CDE-A081913931D1}"/>
-              </a:ext>
-            </a:extLst>
-          </p:cNvPr>
-          <p:cNvPicPr>
-            <a:picLocks noChangeAspect="1"/>
-          </p:cNvPicPr>
-          <p:nvPr/>
-        </p:nvPicPr>
-        <p:blipFill>
-          <a:blip r:embed="rId2">
-            <a:extLst>
-              <a:ext uri="{28A0092B-C50C-407E-A947-70E740481C1C}">
-                <a14:useLocalDpi xmlns:a14="http://schemas.microsoft.com/office/drawing/2010/main" val="0"/>
-              </a:ext>
-            </a:extLst>
-          </a:blip>
-          <a:stretch>
-            <a:fillRect/>
-          </a:stretch>
-        </p:blipFill>
-        <p:spPr>
-          <a:xfrm>
-            <a:off x="365547" y="2488728"/>
-            <a:ext cx="10860016" cy="4153480"/>
-          </a:xfrm>
-          <a:prstGeom prst="rect">
-            <a:avLst/>
-          </a:prstGeom>
-          <a:ln>
-            <a:noFill/>
-          </a:ln>
-          <a:effectLst>
-            <a:outerShdw blurRad="190500" algn="tl" rotWithShape="0">
-              <a:srgbClr val="000000">
-                <a:alpha val="70000"/>
-              </a:srgbClr>
-            </a:outerShdw>
-          </a:effectLst>
-        </p:spPr>
-      </p:pic>
-    </p:spTree>
-    <p:extLst>
-      <p:ext uri="{BB962C8B-B14F-4D97-AF65-F5344CB8AC3E}">
-        <p14:creationId xmlns:p14="http://schemas.microsoft.com/office/powerpoint/2010/main" val="3078842623"/>
       </p:ext>
     </p:extLst>
   </p:cSld>
